--- a/doc/Presentation.pptx
+++ b/doc/Presentation.pptx
@@ -2,20 +2,20 @@
 <file path=ppt/presentation.xml><?xml version="1.0" encoding="utf-8"?>
 <p:presentation xmlns:a="http://schemas.openxmlformats.org/drawingml/2006/main" xmlns:r="http://schemas.openxmlformats.org/officeDocument/2006/relationships" xmlns:p="http://schemas.openxmlformats.org/presentationml/2006/main">
   <p:sldMasterIdLst>
-    <p:sldMasterId id="2147483648" r:id="rId5"/>
+    <p:sldMasterId id="2147483648" r:id="rId1"/>
   </p:sldMasterIdLst>
   <p:notesMasterIdLst>
-    <p:notesMasterId r:id="rId7"/>
+    <p:notesMasterId r:id="rId10"/>
   </p:notesMasterIdLst>
   <p:sldIdLst>
-    <p:sldId id="256" r:id="rId8"/>
-    <p:sldId id="257" r:id="rId9"/>
-    <p:sldId id="258" r:id="rId10"/>
-    <p:sldId id="259" r:id="rId11"/>
-    <p:sldId id="260" r:id="rId12"/>
-    <p:sldId id="261" r:id="rId13"/>
-    <p:sldId id="262" r:id="rId14"/>
-    <p:sldId id="263" r:id="rId15"/>
+    <p:sldId id="256" r:id="rId2"/>
+    <p:sldId id="257" r:id="rId3"/>
+    <p:sldId id="258" r:id="rId4"/>
+    <p:sldId id="259" r:id="rId5"/>
+    <p:sldId id="260" r:id="rId6"/>
+    <p:sldId id="261" r:id="rId7"/>
+    <p:sldId id="262" r:id="rId8"/>
+    <p:sldId id="263" r:id="rId9"/>
   </p:sldIdLst>
   <p:sldSz cx="13004800" cy="9753600"/>
   <p:notesSz cx="6858000" cy="9144000"/>
@@ -35,7 +35,7 @@
       <a:buFontTx/>
       <a:buNone/>
       <a:tabLst/>
-      <a:defRPr b="0" baseline="0" cap="none" i="0" spc="0" strike="noStrike" sz="1800" u="none" kumimoji="0" normalizeH="0">
+      <a:defRPr kumimoji="0" sz="1800" b="0" i="0" u="none" strike="noStrike" cap="none" spc="0" normalizeH="0" baseline="0">
         <a:ln>
           <a:noFill/>
         </a:ln>
@@ -61,7 +61,7 @@
       <a:buFontTx/>
       <a:buNone/>
       <a:tabLst/>
-      <a:defRPr b="0" baseline="0" cap="none" i="0" spc="0" strike="noStrike" sz="2400" u="none" kumimoji="0" normalizeH="0">
+      <a:defRPr kumimoji="0" sz="2400" b="0" i="0" u="none" strike="noStrike" cap="none" spc="0" normalizeH="0" baseline="0">
         <a:ln>
           <a:noFill/>
         </a:ln>
@@ -91,7 +91,7 @@
       <a:buFontTx/>
       <a:buNone/>
       <a:tabLst/>
-      <a:defRPr b="0" baseline="0" cap="none" i="0" spc="0" strike="noStrike" sz="2400" u="none" kumimoji="0" normalizeH="0">
+      <a:defRPr kumimoji="0" sz="2400" b="0" i="0" u="none" strike="noStrike" cap="none" spc="0" normalizeH="0" baseline="0">
         <a:ln>
           <a:noFill/>
         </a:ln>
@@ -121,7 +121,7 @@
       <a:buFontTx/>
       <a:buNone/>
       <a:tabLst/>
-      <a:defRPr b="0" baseline="0" cap="none" i="0" spc="0" strike="noStrike" sz="2400" u="none" kumimoji="0" normalizeH="0">
+      <a:defRPr kumimoji="0" sz="2400" b="0" i="0" u="none" strike="noStrike" cap="none" spc="0" normalizeH="0" baseline="0">
         <a:ln>
           <a:noFill/>
         </a:ln>
@@ -151,7 +151,7 @@
       <a:buFontTx/>
       <a:buNone/>
       <a:tabLst/>
-      <a:defRPr b="0" baseline="0" cap="none" i="0" spc="0" strike="noStrike" sz="2400" u="none" kumimoji="0" normalizeH="0">
+      <a:defRPr kumimoji="0" sz="2400" b="0" i="0" u="none" strike="noStrike" cap="none" spc="0" normalizeH="0" baseline="0">
         <a:ln>
           <a:noFill/>
         </a:ln>
@@ -181,7 +181,7 @@
       <a:buFontTx/>
       <a:buNone/>
       <a:tabLst/>
-      <a:defRPr b="0" baseline="0" cap="none" i="0" spc="0" strike="noStrike" sz="2400" u="none" kumimoji="0" normalizeH="0">
+      <a:defRPr kumimoji="0" sz="2400" b="0" i="0" u="none" strike="noStrike" cap="none" spc="0" normalizeH="0" baseline="0">
         <a:ln>
           <a:noFill/>
         </a:ln>
@@ -211,7 +211,7 @@
       <a:buFontTx/>
       <a:buNone/>
       <a:tabLst/>
-      <a:defRPr b="0" baseline="0" cap="none" i="0" spc="0" strike="noStrike" sz="2400" u="none" kumimoji="0" normalizeH="0">
+      <a:defRPr kumimoji="0" sz="2400" b="0" i="0" u="none" strike="noStrike" cap="none" spc="0" normalizeH="0" baseline="0">
         <a:ln>
           <a:noFill/>
         </a:ln>
@@ -241,7 +241,7 @@
       <a:buFontTx/>
       <a:buNone/>
       <a:tabLst/>
-      <a:defRPr b="0" baseline="0" cap="none" i="0" spc="0" strike="noStrike" sz="2400" u="none" kumimoji="0" normalizeH="0">
+      <a:defRPr kumimoji="0" sz="2400" b="0" i="0" u="none" strike="noStrike" cap="none" spc="0" normalizeH="0" baseline="0">
         <a:ln>
           <a:noFill/>
         </a:ln>
@@ -271,7 +271,7 @@
       <a:buFontTx/>
       <a:buNone/>
       <a:tabLst/>
-      <a:defRPr b="0" baseline="0" cap="none" i="0" spc="0" strike="noStrike" sz="2400" u="none" kumimoji="0" normalizeH="0">
+      <a:defRPr kumimoji="0" sz="2400" b="0" i="0" u="none" strike="noStrike" cap="none" spc="0" normalizeH="0" baseline="0">
         <a:ln>
           <a:noFill/>
         </a:ln>
@@ -301,7 +301,7 @@
       <a:buFontTx/>
       <a:buNone/>
       <a:tabLst/>
-      <a:defRPr b="0" baseline="0" cap="none" i="0" spc="0" strike="noStrike" sz="2400" u="none" kumimoji="0" normalizeH="0">
+      <a:defRPr kumimoji="0" sz="2400" b="0" i="0" u="none" strike="noStrike" cap="none" spc="0" normalizeH="0" baseline="0">
         <a:ln>
           <a:noFill/>
         </a:ln>
@@ -320,13 +320,14 @@
 </p:presentation>
 </file>
 
-<file path=ppt/commentAuthors.xml><?xml version="1.0" encoding="utf-8"?>
-<p:cmAuthorLst xmlns:a="http://schemas.openxmlformats.org/drawingml/2006/main" xmlns:r="http://schemas.openxmlformats.org/officeDocument/2006/relationships" xmlns:p="http://schemas.openxmlformats.org/presentationml/2006/main"/>
-</file>
-
 <file path=ppt/notesMasters/notesMaster1.xml><?xml version="1.0" encoding="utf-8"?>
 <p:notesMaster xmlns:a="http://schemas.openxmlformats.org/drawingml/2006/main" xmlns:r="http://schemas.openxmlformats.org/officeDocument/2006/relationships" xmlns:p="http://schemas.openxmlformats.org/presentationml/2006/main">
   <p:cSld>
+    <p:bg>
+      <p:bgRef idx="1001">
+        <a:schemeClr val="bg1"/>
+      </p:bgRef>
+    </p:bg>
     <p:spTree>
       <p:nvGrpSpPr>
         <p:cNvPr id="1" name=""/>
@@ -344,7 +345,9 @@
       <p:sp>
         <p:nvSpPr>
           <p:cNvPr id="130" name="Shape 130"/>
-          <p:cNvSpPr/>
+          <p:cNvSpPr>
+            <a:spLocks noGrp="1" noRot="1" noChangeAspect="1"/>
+          </p:cNvSpPr>
           <p:nvPr>
             <p:ph type="sldImg"/>
           </p:nvPr>
@@ -362,14 +365,16 @@
           <a:bodyPr/>
           <a:lstStyle/>
           <a:p>
-            <a:pPr/>
+            <a:endParaRPr/>
           </a:p>
         </p:txBody>
       </p:sp>
       <p:sp>
         <p:nvSpPr>
           <p:cNvPr id="131" name="Shape 131"/>
-          <p:cNvSpPr/>
+          <p:cNvSpPr>
+            <a:spLocks noGrp="1"/>
+          </p:cNvSpPr>
           <p:nvPr>
             <p:ph type="body" sz="quarter" idx="1"/>
           </p:nvPr>
@@ -387,7 +392,7 @@
           <a:bodyPr/>
           <a:lstStyle/>
           <a:p>
-            <a:pPr/>
+            <a:endParaRPr/>
           </a:p>
         </p:txBody>
       </p:sp>
@@ -499,7 +504,7 @@
 </file>
 
 <file path=ppt/slideLayouts/slideLayout1.xml><?xml version="1.0" encoding="utf-8"?>
-<p:sldLayout xmlns:a="http://schemas.openxmlformats.org/drawingml/2006/main" xmlns:r="http://schemas.openxmlformats.org/officeDocument/2006/relationships" xmlns:p="http://schemas.openxmlformats.org/presentationml/2006/main" type="title" showMasterSp="0" showMasterPhAnim="1">
+<p:sldLayout xmlns:a="http://schemas.openxmlformats.org/drawingml/2006/main" xmlns:r="http://schemas.openxmlformats.org/officeDocument/2006/relationships" xmlns:p="http://schemas.openxmlformats.org/presentationml/2006/main" showMasterSp="0" type="title">
   <p:cSld name="Title &amp; Subtitle">
     <p:spTree>
       <p:nvGrpSpPr>
@@ -553,6 +558,7 @@
                 <a:sym typeface="Helvetica"/>
               </a:defRPr>
             </a:pPr>
+            <a:endParaRPr/>
           </a:p>
         </p:txBody>
       </p:sp>
@@ -594,6 +600,7 @@
                 <a:sym typeface="Helvetica"/>
               </a:defRPr>
             </a:pPr>
+            <a:endParaRPr/>
           </a:p>
         </p:txBody>
       </p:sp>
@@ -635,13 +642,16 @@
                 <a:sym typeface="Helvetica"/>
               </a:defRPr>
             </a:pPr>
+            <a:endParaRPr/>
           </a:p>
         </p:txBody>
       </p:sp>
       <p:sp>
         <p:nvSpPr>
           <p:cNvPr id="16" name="Shape 16"/>
-          <p:cNvSpPr/>
+          <p:cNvSpPr>
+            <a:spLocks noGrp="1"/>
+          </p:cNvSpPr>
           <p:nvPr>
             <p:ph type="body" sz="quarter" idx="13"/>
           </p:nvPr>
@@ -671,11 +681,10 @@
               <a:buSzTx/>
               <a:buFontTx/>
               <a:buNone/>
-              <a:defRPr i="1" sz="2400"/>
+              <a:defRPr sz="2400" i="1"/>
             </a:lvl1pPr>
           </a:lstStyle>
           <a:p>
-            <a:pPr/>
             <a:r>
               <a:t>Lorem Ipsum Dolor</a:t>
             </a:r>
@@ -685,7 +694,9 @@
       <p:sp>
         <p:nvSpPr>
           <p:cNvPr id="17" name="Shape 17"/>
-          <p:cNvSpPr/>
+          <p:cNvSpPr>
+            <a:spLocks noGrp="1"/>
+          </p:cNvSpPr>
           <p:nvPr>
             <p:ph type="title"/>
           </p:nvPr>
@@ -705,7 +716,6 @@
             <a:lvl1pPr algn="l"/>
           </a:lstStyle>
           <a:p>
-            <a:pPr/>
             <a:r>
               <a:t>Title Text</a:t>
             </a:r>
@@ -715,7 +725,9 @@
       <p:sp>
         <p:nvSpPr>
           <p:cNvPr id="18" name="Shape 18"/>
-          <p:cNvSpPr/>
+          <p:cNvSpPr>
+            <a:spLocks noGrp="1"/>
+          </p:cNvSpPr>
           <p:nvPr>
             <p:ph type="body" sz="quarter" idx="1"/>
           </p:nvPr>
@@ -784,7 +796,6 @@
             </a:lvl5pPr>
           </a:lstStyle>
           <a:p>
-            <a:pPr/>
             <a:r>
               <a:t>Body Level One</a:t>
             </a:r>
@@ -818,7 +829,9 @@
       <p:sp>
         <p:nvSpPr>
           <p:cNvPr id="19" name="Shape 19"/>
-          <p:cNvSpPr/>
+          <p:cNvSpPr>
+            <a:spLocks noGrp="1"/>
+          </p:cNvSpPr>
           <p:nvPr>
             <p:ph type="sldNum" sz="quarter" idx="2"/>
           </p:nvPr>
@@ -832,8 +845,10 @@
           <a:bodyPr/>
           <a:lstStyle/>
           <a:p>
-            <a:pPr/>
-            <a:fld id="{86CB4B4D-7CA3-9044-876B-883B54F8677D}" type="slidenum"/>
+            <a:fld id="{86CB4B4D-7CA3-9044-876B-883B54F8677D}" type="slidenum">
+              <a:t>‹#›</a:t>
+            </a:fld>
+            <a:endParaRPr/>
           </a:p>
         </p:txBody>
       </p:sp>
@@ -842,12 +857,12 @@
   <p:clrMapOvr>
     <a:masterClrMapping/>
   </p:clrMapOvr>
-  <p:transition xmlns:p14="http://schemas.microsoft.com/office/powerpoint/2010/main" spd="med" advClick="1"/>
+  <p:transition spd="med"/>
 </p:sldLayout>
 </file>
 
 <file path=ppt/slideLayouts/slideLayout10.xml><?xml version="1.0" encoding="utf-8"?>
-<p:sldLayout xmlns:a="http://schemas.openxmlformats.org/drawingml/2006/main" xmlns:r="http://schemas.openxmlformats.org/officeDocument/2006/relationships" xmlns:p="http://schemas.openxmlformats.org/presentationml/2006/main" type="tx" showMasterSp="0" showMasterPhAnim="1">
+<p:sldLayout xmlns:a="http://schemas.openxmlformats.org/drawingml/2006/main" xmlns:r="http://schemas.openxmlformats.org/officeDocument/2006/relationships" xmlns:p="http://schemas.openxmlformats.org/presentationml/2006/main" showMasterSp="0" type="tx">
   <p:cSld name="Quote">
     <p:spTree>
       <p:nvGrpSpPr>
@@ -866,7 +881,9 @@
       <p:sp>
         <p:nvSpPr>
           <p:cNvPr id="107" name="Shape 107"/>
-          <p:cNvSpPr/>
+          <p:cNvSpPr>
+            <a:spLocks noGrp="1"/>
+          </p:cNvSpPr>
           <p:nvPr>
             <p:ph type="body" sz="quarter" idx="13"/>
           </p:nvPr>
@@ -893,11 +910,10 @@
               <a:buSzTx/>
               <a:buFontTx/>
               <a:buNone/>
-              <a:defRPr i="1" sz="3000"/>
+              <a:defRPr sz="3000" i="1"/>
             </a:lvl1pPr>
           </a:lstStyle>
           <a:p>
-            <a:pPr/>
             <a:r>
               <a:t>–Johnny Appleseed</a:t>
             </a:r>
@@ -907,7 +923,9 @@
       <p:sp>
         <p:nvSpPr>
           <p:cNvPr id="108" name="Shape 108"/>
-          <p:cNvSpPr/>
+          <p:cNvSpPr>
+            <a:spLocks noGrp="1"/>
+          </p:cNvSpPr>
           <p:nvPr>
             <p:ph type="body" sz="quarter" idx="14"/>
           </p:nvPr>
@@ -937,7 +955,6 @@
             </a:lvl1pPr>
           </a:lstStyle>
           <a:p>
-            <a:pPr/>
             <a:r>
               <a:t>“Type a quote here.” </a:t>
             </a:r>
@@ -947,7 +964,9 @@
       <p:sp>
         <p:nvSpPr>
           <p:cNvPr id="109" name="Shape 109"/>
-          <p:cNvSpPr/>
+          <p:cNvSpPr>
+            <a:spLocks noGrp="1"/>
+          </p:cNvSpPr>
           <p:nvPr>
             <p:ph type="sldNum" sz="quarter" idx="2"/>
           </p:nvPr>
@@ -961,8 +980,10 @@
           <a:bodyPr/>
           <a:lstStyle/>
           <a:p>
-            <a:pPr/>
-            <a:fld id="{86CB4B4D-7CA3-9044-876B-883B54F8677D}" type="slidenum"/>
+            <a:fld id="{86CB4B4D-7CA3-9044-876B-883B54F8677D}" type="slidenum">
+              <a:t>‹#›</a:t>
+            </a:fld>
+            <a:endParaRPr/>
           </a:p>
         </p:txBody>
       </p:sp>
@@ -971,12 +992,12 @@
   <p:clrMapOvr>
     <a:masterClrMapping/>
   </p:clrMapOvr>
-  <p:transition xmlns:p14="http://schemas.microsoft.com/office/powerpoint/2010/main" spd="med" advClick="1"/>
+  <p:transition spd="med"/>
 </p:sldLayout>
 </file>
 
 <file path=ppt/slideLayouts/slideLayout11.xml><?xml version="1.0" encoding="utf-8"?>
-<p:sldLayout xmlns:a="http://schemas.openxmlformats.org/drawingml/2006/main" xmlns:r="http://schemas.openxmlformats.org/officeDocument/2006/relationships" xmlns:p="http://schemas.openxmlformats.org/presentationml/2006/main" type="tx" showMasterSp="0" showMasterPhAnim="1">
+<p:sldLayout xmlns:a="http://schemas.openxmlformats.org/drawingml/2006/main" xmlns:r="http://schemas.openxmlformats.org/officeDocument/2006/relationships" xmlns:p="http://schemas.openxmlformats.org/presentationml/2006/main" showMasterSp="0" type="tx">
   <p:cSld name="Photo">
     <p:spTree>
       <p:nvGrpSpPr>
@@ -995,7 +1016,9 @@
       <p:sp>
         <p:nvSpPr>
           <p:cNvPr id="116" name="Shape 116"/>
-          <p:cNvSpPr/>
+          <p:cNvSpPr>
+            <a:spLocks noGrp="1"/>
+          </p:cNvSpPr>
           <p:nvPr>
             <p:ph type="pic" idx="13"/>
           </p:nvPr>
@@ -1015,14 +1038,16 @@
           </a:bodyPr>
           <a:lstStyle/>
           <a:p>
-            <a:pPr/>
+            <a:endParaRPr/>
           </a:p>
         </p:txBody>
       </p:sp>
       <p:sp>
         <p:nvSpPr>
           <p:cNvPr id="117" name="Shape 117"/>
-          <p:cNvSpPr/>
+          <p:cNvSpPr>
+            <a:spLocks noGrp="1"/>
+          </p:cNvSpPr>
           <p:nvPr>
             <p:ph type="sldNum" sz="quarter" idx="2"/>
           </p:nvPr>
@@ -1036,8 +1061,10 @@
           <a:bodyPr/>
           <a:lstStyle/>
           <a:p>
-            <a:pPr/>
-            <a:fld id="{86CB4B4D-7CA3-9044-876B-883B54F8677D}" type="slidenum"/>
+            <a:fld id="{86CB4B4D-7CA3-9044-876B-883B54F8677D}" type="slidenum">
+              <a:t>‹#›</a:t>
+            </a:fld>
+            <a:endParaRPr/>
           </a:p>
         </p:txBody>
       </p:sp>
@@ -1046,12 +1073,12 @@
   <p:clrMapOvr>
     <a:masterClrMapping/>
   </p:clrMapOvr>
-  <p:transition xmlns:p14="http://schemas.microsoft.com/office/powerpoint/2010/main" spd="med" advClick="1"/>
+  <p:transition spd="med"/>
 </p:sldLayout>
 </file>
 
 <file path=ppt/slideLayouts/slideLayout12.xml><?xml version="1.0" encoding="utf-8"?>
-<p:sldLayout xmlns:a="http://schemas.openxmlformats.org/drawingml/2006/main" xmlns:r="http://schemas.openxmlformats.org/officeDocument/2006/relationships" xmlns:p="http://schemas.openxmlformats.org/presentationml/2006/main" type="tx" showMasterSp="0" showMasterPhAnim="1">
+<p:sldLayout xmlns:a="http://schemas.openxmlformats.org/drawingml/2006/main" xmlns:r="http://schemas.openxmlformats.org/officeDocument/2006/relationships" xmlns:p="http://schemas.openxmlformats.org/presentationml/2006/main" showMasterSp="0" type="tx">
   <p:cSld name="Blank">
     <p:spTree>
       <p:nvGrpSpPr>
@@ -1070,7 +1097,9 @@
       <p:sp>
         <p:nvSpPr>
           <p:cNvPr id="124" name="Shape 124"/>
-          <p:cNvSpPr/>
+          <p:cNvSpPr>
+            <a:spLocks noGrp="1"/>
+          </p:cNvSpPr>
           <p:nvPr>
             <p:ph type="sldNum" sz="quarter" idx="2"/>
           </p:nvPr>
@@ -1084,8 +1113,10 @@
           <a:bodyPr/>
           <a:lstStyle/>
           <a:p>
-            <a:pPr/>
-            <a:fld id="{86CB4B4D-7CA3-9044-876B-883B54F8677D}" type="slidenum"/>
+            <a:fld id="{86CB4B4D-7CA3-9044-876B-883B54F8677D}" type="slidenum">
+              <a:t>‹#›</a:t>
+            </a:fld>
+            <a:endParaRPr/>
           </a:p>
         </p:txBody>
       </p:sp>
@@ -1094,12 +1125,12 @@
   <p:clrMapOvr>
     <a:masterClrMapping/>
   </p:clrMapOvr>
-  <p:transition xmlns:p14="http://schemas.microsoft.com/office/powerpoint/2010/main" spd="med" advClick="1"/>
+  <p:transition spd="med"/>
 </p:sldLayout>
 </file>
 
 <file path=ppt/slideLayouts/slideLayout2.xml><?xml version="1.0" encoding="utf-8"?>
-<p:sldLayout xmlns:a="http://schemas.openxmlformats.org/drawingml/2006/main" xmlns:r="http://schemas.openxmlformats.org/officeDocument/2006/relationships" xmlns:p="http://schemas.openxmlformats.org/presentationml/2006/main" type="tx" showMasterSp="0" showMasterPhAnim="1">
+<p:sldLayout xmlns:a="http://schemas.openxmlformats.org/drawingml/2006/main" xmlns:r="http://schemas.openxmlformats.org/officeDocument/2006/relationships" xmlns:p="http://schemas.openxmlformats.org/presentationml/2006/main" showMasterSp="0" type="tx">
   <p:cSld name="Photo - Horizontal">
     <p:spTree>
       <p:nvGrpSpPr>
@@ -1153,6 +1184,7 @@
                 <a:sym typeface="Helvetica"/>
               </a:defRPr>
             </a:pPr>
+            <a:endParaRPr/>
           </a:p>
         </p:txBody>
       </p:sp>
@@ -1194,6 +1226,7 @@
                 <a:sym typeface="Helvetica"/>
               </a:defRPr>
             </a:pPr>
+            <a:endParaRPr/>
           </a:p>
         </p:txBody>
       </p:sp>
@@ -1235,6 +1268,7 @@
                 <a:sym typeface="Helvetica"/>
               </a:defRPr>
             </a:pPr>
+            <a:endParaRPr/>
           </a:p>
         </p:txBody>
       </p:sp>
@@ -1276,13 +1310,16 @@
                 <a:sym typeface="Helvetica"/>
               </a:defRPr>
             </a:pPr>
+            <a:endParaRPr/>
           </a:p>
         </p:txBody>
       </p:sp>
       <p:sp>
         <p:nvSpPr>
           <p:cNvPr id="30" name="Shape 30"/>
-          <p:cNvSpPr/>
+          <p:cNvSpPr>
+            <a:spLocks noGrp="1"/>
+          </p:cNvSpPr>
           <p:nvPr>
             <p:ph type="body" sz="quarter" idx="13"/>
           </p:nvPr>
@@ -1312,11 +1349,10 @@
               <a:buSzTx/>
               <a:buFontTx/>
               <a:buNone/>
-              <a:defRPr i="1" sz="2400"/>
+              <a:defRPr sz="2400" i="1"/>
             </a:lvl1pPr>
           </a:lstStyle>
           <a:p>
-            <a:pPr/>
             <a:r>
               <a:t>Lorem Ipsum Dolor</a:t>
             </a:r>
@@ -1326,7 +1362,9 @@
       <p:sp>
         <p:nvSpPr>
           <p:cNvPr id="31" name="Shape 31"/>
-          <p:cNvSpPr/>
+          <p:cNvSpPr>
+            <a:spLocks noGrp="1"/>
+          </p:cNvSpPr>
           <p:nvPr>
             <p:ph type="pic" idx="14"/>
           </p:nvPr>
@@ -1349,14 +1387,16 @@
           </a:bodyPr>
           <a:lstStyle/>
           <a:p>
-            <a:pPr/>
+            <a:endParaRPr/>
           </a:p>
         </p:txBody>
       </p:sp>
       <p:sp>
         <p:nvSpPr>
           <p:cNvPr id="32" name="Shape 32"/>
-          <p:cNvSpPr/>
+          <p:cNvSpPr>
+            <a:spLocks noGrp="1"/>
+          </p:cNvSpPr>
           <p:nvPr>
             <p:ph type="title"/>
           </p:nvPr>
@@ -1376,7 +1416,6 @@
             <a:lvl1pPr algn="l"/>
           </a:lstStyle>
           <a:p>
-            <a:pPr/>
             <a:r>
               <a:t>Title Text</a:t>
             </a:r>
@@ -1386,7 +1425,9 @@
       <p:sp>
         <p:nvSpPr>
           <p:cNvPr id="33" name="Shape 33"/>
-          <p:cNvSpPr/>
+          <p:cNvSpPr>
+            <a:spLocks noGrp="1"/>
+          </p:cNvSpPr>
           <p:nvPr>
             <p:ph type="body" sz="quarter" idx="1"/>
           </p:nvPr>
@@ -1455,7 +1496,6 @@
             </a:lvl5pPr>
           </a:lstStyle>
           <a:p>
-            <a:pPr/>
             <a:r>
               <a:t>Body Level One</a:t>
             </a:r>
@@ -1489,7 +1529,9 @@
       <p:sp>
         <p:nvSpPr>
           <p:cNvPr id="34" name="Shape 34"/>
-          <p:cNvSpPr/>
+          <p:cNvSpPr>
+            <a:spLocks noGrp="1"/>
+          </p:cNvSpPr>
           <p:nvPr>
             <p:ph type="sldNum" sz="quarter" idx="2"/>
           </p:nvPr>
@@ -1503,8 +1545,10 @@
           <a:bodyPr/>
           <a:lstStyle/>
           <a:p>
-            <a:pPr/>
-            <a:fld id="{86CB4B4D-7CA3-9044-876B-883B54F8677D}" type="slidenum"/>
+            <a:fld id="{86CB4B4D-7CA3-9044-876B-883B54F8677D}" type="slidenum">
+              <a:t>‹#›</a:t>
+            </a:fld>
+            <a:endParaRPr/>
           </a:p>
         </p:txBody>
       </p:sp>
@@ -1513,12 +1557,12 @@
   <p:clrMapOvr>
     <a:masterClrMapping/>
   </p:clrMapOvr>
-  <p:transition xmlns:p14="http://schemas.microsoft.com/office/powerpoint/2010/main" spd="med" advClick="1"/>
+  <p:transition spd="med"/>
 </p:sldLayout>
 </file>
 
 <file path=ppt/slideLayouts/slideLayout3.xml><?xml version="1.0" encoding="utf-8"?>
-<p:sldLayout xmlns:a="http://schemas.openxmlformats.org/drawingml/2006/main" xmlns:r="http://schemas.openxmlformats.org/officeDocument/2006/relationships" xmlns:p="http://schemas.openxmlformats.org/presentationml/2006/main" type="tx" showMasterSp="0" showMasterPhAnim="1">
+<p:sldLayout xmlns:a="http://schemas.openxmlformats.org/drawingml/2006/main" xmlns:r="http://schemas.openxmlformats.org/officeDocument/2006/relationships" xmlns:p="http://schemas.openxmlformats.org/presentationml/2006/main" showMasterSp="0" type="tx">
   <p:cSld name="Title - Center">
     <p:spTree>
       <p:nvGrpSpPr>
@@ -1537,7 +1581,9 @@
       <p:sp>
         <p:nvSpPr>
           <p:cNvPr id="41" name="Shape 41"/>
-          <p:cNvSpPr/>
+          <p:cNvSpPr>
+            <a:spLocks noGrp="1"/>
+          </p:cNvSpPr>
           <p:nvPr>
             <p:ph type="title"/>
           </p:nvPr>
@@ -1555,7 +1601,6 @@
           <a:bodyPr/>
           <a:lstStyle/>
           <a:p>
-            <a:pPr/>
             <a:r>
               <a:t>Title Text</a:t>
             </a:r>
@@ -1565,7 +1610,9 @@
       <p:sp>
         <p:nvSpPr>
           <p:cNvPr id="42" name="Shape 42"/>
-          <p:cNvSpPr/>
+          <p:cNvSpPr>
+            <a:spLocks noGrp="1"/>
+          </p:cNvSpPr>
           <p:nvPr>
             <p:ph type="sldNum" sz="quarter" idx="2"/>
           </p:nvPr>
@@ -1579,8 +1626,10 @@
           <a:bodyPr/>
           <a:lstStyle/>
           <a:p>
-            <a:pPr/>
-            <a:fld id="{86CB4B4D-7CA3-9044-876B-883B54F8677D}" type="slidenum"/>
+            <a:fld id="{86CB4B4D-7CA3-9044-876B-883B54F8677D}" type="slidenum">
+              <a:t>‹#›</a:t>
+            </a:fld>
+            <a:endParaRPr/>
           </a:p>
         </p:txBody>
       </p:sp>
@@ -1589,12 +1638,12 @@
   <p:clrMapOvr>
     <a:masterClrMapping/>
   </p:clrMapOvr>
-  <p:transition xmlns:p14="http://schemas.microsoft.com/office/powerpoint/2010/main" spd="med" advClick="1"/>
+  <p:transition spd="med"/>
 </p:sldLayout>
 </file>
 
 <file path=ppt/slideLayouts/slideLayout4.xml><?xml version="1.0" encoding="utf-8"?>
-<p:sldLayout xmlns:a="http://schemas.openxmlformats.org/drawingml/2006/main" xmlns:r="http://schemas.openxmlformats.org/officeDocument/2006/relationships" xmlns:p="http://schemas.openxmlformats.org/presentationml/2006/main" type="tx" showMasterSp="0" showMasterPhAnim="1">
+<p:sldLayout xmlns:a="http://schemas.openxmlformats.org/drawingml/2006/main" xmlns:r="http://schemas.openxmlformats.org/officeDocument/2006/relationships" xmlns:p="http://schemas.openxmlformats.org/presentationml/2006/main" showMasterSp="0" type="tx">
   <p:cSld name="Photo - Vertical">
     <p:spTree>
       <p:nvGrpSpPr>
@@ -1648,6 +1697,7 @@
                 <a:sym typeface="Helvetica"/>
               </a:defRPr>
             </a:pPr>
+            <a:endParaRPr/>
           </a:p>
         </p:txBody>
       </p:sp>
@@ -1689,13 +1739,16 @@
                 <a:sym typeface="Helvetica"/>
               </a:defRPr>
             </a:pPr>
+            <a:endParaRPr/>
           </a:p>
         </p:txBody>
       </p:sp>
       <p:sp>
         <p:nvSpPr>
           <p:cNvPr id="51" name="Shape 51"/>
-          <p:cNvSpPr/>
+          <p:cNvSpPr>
+            <a:spLocks noGrp="1"/>
+          </p:cNvSpPr>
           <p:nvPr>
             <p:ph type="body" sz="quarter" idx="13"/>
           </p:nvPr>
@@ -1725,11 +1778,10 @@
               <a:buSzTx/>
               <a:buFontTx/>
               <a:buNone/>
-              <a:defRPr i="1" sz="2400"/>
+              <a:defRPr sz="2400" i="1"/>
             </a:lvl1pPr>
           </a:lstStyle>
           <a:p>
-            <a:pPr/>
             <a:r>
               <a:t>Lorem Ipsum Dolor</a:t>
             </a:r>
@@ -1739,7 +1791,9 @@
       <p:sp>
         <p:nvSpPr>
           <p:cNvPr id="52" name="Shape 52"/>
-          <p:cNvSpPr/>
+          <p:cNvSpPr>
+            <a:spLocks noGrp="1"/>
+          </p:cNvSpPr>
           <p:nvPr>
             <p:ph type="pic" sz="half" idx="14"/>
           </p:nvPr>
@@ -1762,14 +1816,16 @@
           </a:bodyPr>
           <a:lstStyle/>
           <a:p>
-            <a:pPr/>
+            <a:endParaRPr/>
           </a:p>
         </p:txBody>
       </p:sp>
       <p:sp>
         <p:nvSpPr>
           <p:cNvPr id="53" name="Shape 53"/>
-          <p:cNvSpPr/>
+          <p:cNvSpPr>
+            <a:spLocks noGrp="1"/>
+          </p:cNvSpPr>
           <p:nvPr>
             <p:ph type="title"/>
           </p:nvPr>
@@ -1791,7 +1847,6 @@
             </a:lvl1pPr>
           </a:lstStyle>
           <a:p>
-            <a:pPr/>
             <a:r>
               <a:t>Title Text</a:t>
             </a:r>
@@ -1801,7 +1856,9 @@
       <p:sp>
         <p:nvSpPr>
           <p:cNvPr id="54" name="Shape 54"/>
-          <p:cNvSpPr/>
+          <p:cNvSpPr>
+            <a:spLocks noGrp="1"/>
+          </p:cNvSpPr>
           <p:nvPr>
             <p:ph type="body" sz="quarter" idx="1"/>
           </p:nvPr>
@@ -1870,7 +1927,6 @@
             </a:lvl5pPr>
           </a:lstStyle>
           <a:p>
-            <a:pPr/>
             <a:r>
               <a:t>Body Level One</a:t>
             </a:r>
@@ -1904,7 +1960,9 @@
       <p:sp>
         <p:nvSpPr>
           <p:cNvPr id="55" name="Shape 55"/>
-          <p:cNvSpPr/>
+          <p:cNvSpPr>
+            <a:spLocks noGrp="1"/>
+          </p:cNvSpPr>
           <p:nvPr>
             <p:ph type="sldNum" sz="quarter" idx="2"/>
           </p:nvPr>
@@ -1918,8 +1976,10 @@
           <a:bodyPr/>
           <a:lstStyle/>
           <a:p>
-            <a:pPr/>
-            <a:fld id="{86CB4B4D-7CA3-9044-876B-883B54F8677D}" type="slidenum"/>
+            <a:fld id="{86CB4B4D-7CA3-9044-876B-883B54F8677D}" type="slidenum">
+              <a:t>‹#›</a:t>
+            </a:fld>
+            <a:endParaRPr/>
           </a:p>
         </p:txBody>
       </p:sp>
@@ -1928,12 +1988,12 @@
   <p:clrMapOvr>
     <a:masterClrMapping/>
   </p:clrMapOvr>
-  <p:transition xmlns:p14="http://schemas.microsoft.com/office/powerpoint/2010/main" spd="med" advClick="1"/>
+  <p:transition spd="med"/>
 </p:sldLayout>
 </file>
 
 <file path=ppt/slideLayouts/slideLayout5.xml><?xml version="1.0" encoding="utf-8"?>
-<p:sldLayout xmlns:a="http://schemas.openxmlformats.org/drawingml/2006/main" xmlns:r="http://schemas.openxmlformats.org/officeDocument/2006/relationships" xmlns:p="http://schemas.openxmlformats.org/presentationml/2006/main" type="tx" showMasterSp="1" showMasterPhAnim="1">
+<p:sldLayout xmlns:a="http://schemas.openxmlformats.org/drawingml/2006/main" xmlns:r="http://schemas.openxmlformats.org/officeDocument/2006/relationships" xmlns:p="http://schemas.openxmlformats.org/presentationml/2006/main" type="tx">
   <p:cSld name="Title - Top">
     <p:spTree>
       <p:nvGrpSpPr>
@@ -1952,7 +2012,9 @@
       <p:sp>
         <p:nvSpPr>
           <p:cNvPr id="62" name="Shape 62"/>
-          <p:cNvSpPr/>
+          <p:cNvSpPr>
+            <a:spLocks noGrp="1"/>
+          </p:cNvSpPr>
           <p:nvPr>
             <p:ph type="title"/>
           </p:nvPr>
@@ -1966,7 +2028,6 @@
           <a:bodyPr/>
           <a:lstStyle/>
           <a:p>
-            <a:pPr/>
             <a:r>
               <a:t>Title Text</a:t>
             </a:r>
@@ -1976,7 +2037,9 @@
       <p:sp>
         <p:nvSpPr>
           <p:cNvPr id="63" name="Shape 63"/>
-          <p:cNvSpPr/>
+          <p:cNvSpPr>
+            <a:spLocks noGrp="1"/>
+          </p:cNvSpPr>
           <p:nvPr>
             <p:ph type="sldNum" sz="quarter" idx="2"/>
           </p:nvPr>
@@ -1990,8 +2053,10 @@
           <a:bodyPr/>
           <a:lstStyle/>
           <a:p>
-            <a:pPr/>
-            <a:fld id="{86CB4B4D-7CA3-9044-876B-883B54F8677D}" type="slidenum"/>
+            <a:fld id="{86CB4B4D-7CA3-9044-876B-883B54F8677D}" type="slidenum">
+              <a:t>‹#›</a:t>
+            </a:fld>
+            <a:endParaRPr/>
           </a:p>
         </p:txBody>
       </p:sp>
@@ -2000,12 +2065,12 @@
   <p:clrMapOvr>
     <a:masterClrMapping/>
   </p:clrMapOvr>
-  <p:transition xmlns:p14="http://schemas.microsoft.com/office/powerpoint/2010/main" spd="med" advClick="1"/>
+  <p:transition spd="med"/>
 </p:sldLayout>
 </file>
 
 <file path=ppt/slideLayouts/slideLayout6.xml><?xml version="1.0" encoding="utf-8"?>
-<p:sldLayout xmlns:a="http://schemas.openxmlformats.org/drawingml/2006/main" xmlns:r="http://schemas.openxmlformats.org/officeDocument/2006/relationships" xmlns:p="http://schemas.openxmlformats.org/presentationml/2006/main" type="tx" showMasterSp="1" showMasterPhAnim="1">
+<p:sldLayout xmlns:a="http://schemas.openxmlformats.org/drawingml/2006/main" xmlns:r="http://schemas.openxmlformats.org/officeDocument/2006/relationships" xmlns:p="http://schemas.openxmlformats.org/presentationml/2006/main" type="tx">
   <p:cSld name="Title &amp; Bullets">
     <p:spTree>
       <p:nvGrpSpPr>
@@ -2024,7 +2089,9 @@
       <p:sp>
         <p:nvSpPr>
           <p:cNvPr id="70" name="Shape 70"/>
-          <p:cNvSpPr/>
+          <p:cNvSpPr>
+            <a:spLocks noGrp="1"/>
+          </p:cNvSpPr>
           <p:nvPr>
             <p:ph type="title"/>
           </p:nvPr>
@@ -2038,7 +2105,6 @@
           <a:bodyPr/>
           <a:lstStyle/>
           <a:p>
-            <a:pPr/>
             <a:r>
               <a:t>Title Text</a:t>
             </a:r>
@@ -2048,7 +2114,9 @@
       <p:sp>
         <p:nvSpPr>
           <p:cNvPr id="71" name="Shape 71"/>
-          <p:cNvSpPr/>
+          <p:cNvSpPr>
+            <a:spLocks noGrp="1"/>
+          </p:cNvSpPr>
           <p:nvPr>
             <p:ph type="body" idx="1"/>
           </p:nvPr>
@@ -2062,7 +2130,6 @@
           <a:bodyPr/>
           <a:lstStyle/>
           <a:p>
-            <a:pPr/>
             <a:r>
               <a:t>Body Level One</a:t>
             </a:r>
@@ -2096,7 +2163,9 @@
       <p:sp>
         <p:nvSpPr>
           <p:cNvPr id="72" name="Shape 72"/>
-          <p:cNvSpPr/>
+          <p:cNvSpPr>
+            <a:spLocks noGrp="1"/>
+          </p:cNvSpPr>
           <p:nvPr>
             <p:ph type="sldNum" sz="quarter" idx="2"/>
           </p:nvPr>
@@ -2110,8 +2179,10 @@
           <a:bodyPr/>
           <a:lstStyle/>
           <a:p>
-            <a:pPr/>
-            <a:fld id="{86CB4B4D-7CA3-9044-876B-883B54F8677D}" type="slidenum"/>
+            <a:fld id="{86CB4B4D-7CA3-9044-876B-883B54F8677D}" type="slidenum">
+              <a:t>‹#›</a:t>
+            </a:fld>
+            <a:endParaRPr/>
           </a:p>
         </p:txBody>
       </p:sp>
@@ -2120,12 +2191,12 @@
   <p:clrMapOvr>
     <a:masterClrMapping/>
   </p:clrMapOvr>
-  <p:transition xmlns:p14="http://schemas.microsoft.com/office/powerpoint/2010/main" spd="med" advClick="1"/>
+  <p:transition spd="med"/>
 </p:sldLayout>
 </file>
 
 <file path=ppt/slideLayouts/slideLayout7.xml><?xml version="1.0" encoding="utf-8"?>
-<p:sldLayout xmlns:a="http://schemas.openxmlformats.org/drawingml/2006/main" xmlns:r="http://schemas.openxmlformats.org/officeDocument/2006/relationships" xmlns:p="http://schemas.openxmlformats.org/presentationml/2006/main" type="tx" showMasterSp="1" showMasterPhAnim="1">
+<p:sldLayout xmlns:a="http://schemas.openxmlformats.org/drawingml/2006/main" xmlns:r="http://schemas.openxmlformats.org/officeDocument/2006/relationships" xmlns:p="http://schemas.openxmlformats.org/presentationml/2006/main" type="tx">
   <p:cSld name="Title, Bullets &amp; Photo">
     <p:spTree>
       <p:nvGrpSpPr>
@@ -2144,7 +2215,9 @@
       <p:sp>
         <p:nvSpPr>
           <p:cNvPr id="79" name="Shape 79"/>
-          <p:cNvSpPr/>
+          <p:cNvSpPr>
+            <a:spLocks noGrp="1"/>
+          </p:cNvSpPr>
           <p:nvPr>
             <p:ph type="pic" sz="half" idx="13"/>
           </p:nvPr>
@@ -2167,14 +2240,16 @@
           </a:bodyPr>
           <a:lstStyle/>
           <a:p>
-            <a:pPr/>
+            <a:endParaRPr/>
           </a:p>
         </p:txBody>
       </p:sp>
       <p:sp>
         <p:nvSpPr>
           <p:cNvPr id="80" name="Shape 80"/>
-          <p:cNvSpPr/>
+          <p:cNvSpPr>
+            <a:spLocks noGrp="1"/>
+          </p:cNvSpPr>
           <p:nvPr>
             <p:ph type="title"/>
           </p:nvPr>
@@ -2188,7 +2263,6 @@
           <a:bodyPr/>
           <a:lstStyle/>
           <a:p>
-            <a:pPr/>
             <a:r>
               <a:t>Title Text</a:t>
             </a:r>
@@ -2198,7 +2272,9 @@
       <p:sp>
         <p:nvSpPr>
           <p:cNvPr id="81" name="Shape 81"/>
-          <p:cNvSpPr/>
+          <p:cNvSpPr>
+            <a:spLocks noGrp="1"/>
+          </p:cNvSpPr>
           <p:nvPr>
             <p:ph type="body" sz="half" idx="1"/>
           </p:nvPr>
@@ -2252,7 +2328,6 @@
             </a:lvl5pPr>
           </a:lstStyle>
           <a:p>
-            <a:pPr/>
             <a:r>
               <a:t>Body Level One</a:t>
             </a:r>
@@ -2286,7 +2361,9 @@
       <p:sp>
         <p:nvSpPr>
           <p:cNvPr id="82" name="Shape 82"/>
-          <p:cNvSpPr/>
+          <p:cNvSpPr>
+            <a:spLocks noGrp="1"/>
+          </p:cNvSpPr>
           <p:nvPr>
             <p:ph type="sldNum" sz="quarter" idx="2"/>
           </p:nvPr>
@@ -2300,8 +2377,10 @@
           <a:bodyPr/>
           <a:lstStyle/>
           <a:p>
-            <a:pPr/>
-            <a:fld id="{86CB4B4D-7CA3-9044-876B-883B54F8677D}" type="slidenum"/>
+            <a:fld id="{86CB4B4D-7CA3-9044-876B-883B54F8677D}" type="slidenum">
+              <a:t>‹#›</a:t>
+            </a:fld>
+            <a:endParaRPr/>
           </a:p>
         </p:txBody>
       </p:sp>
@@ -2310,12 +2389,12 @@
   <p:clrMapOvr>
     <a:masterClrMapping/>
   </p:clrMapOvr>
-  <p:transition xmlns:p14="http://schemas.microsoft.com/office/powerpoint/2010/main" spd="med" advClick="1"/>
+  <p:transition spd="med"/>
 </p:sldLayout>
 </file>
 
 <file path=ppt/slideLayouts/slideLayout8.xml><?xml version="1.0" encoding="utf-8"?>
-<p:sldLayout xmlns:a="http://schemas.openxmlformats.org/drawingml/2006/main" xmlns:r="http://schemas.openxmlformats.org/officeDocument/2006/relationships" xmlns:p="http://schemas.openxmlformats.org/presentationml/2006/main" type="tx" showMasterSp="0" showMasterPhAnim="1">
+<p:sldLayout xmlns:a="http://schemas.openxmlformats.org/drawingml/2006/main" xmlns:r="http://schemas.openxmlformats.org/officeDocument/2006/relationships" xmlns:p="http://schemas.openxmlformats.org/presentationml/2006/main" showMasterSp="0" type="tx">
   <p:cSld name="Bullets">
     <p:spTree>
       <p:nvGrpSpPr>
@@ -2334,7 +2413,9 @@
       <p:sp>
         <p:nvSpPr>
           <p:cNvPr id="89" name="Shape 89"/>
-          <p:cNvSpPr/>
+          <p:cNvSpPr>
+            <a:spLocks noGrp="1"/>
+          </p:cNvSpPr>
           <p:nvPr>
             <p:ph type="body" idx="1"/>
           </p:nvPr>
@@ -2352,7 +2433,6 @@
           <a:bodyPr/>
           <a:lstStyle/>
           <a:p>
-            <a:pPr/>
             <a:r>
               <a:t>Body Level One</a:t>
             </a:r>
@@ -2386,7 +2466,9 @@
       <p:sp>
         <p:nvSpPr>
           <p:cNvPr id="90" name="Shape 90"/>
-          <p:cNvSpPr/>
+          <p:cNvSpPr>
+            <a:spLocks noGrp="1"/>
+          </p:cNvSpPr>
           <p:nvPr>
             <p:ph type="sldNum" sz="quarter" idx="2"/>
           </p:nvPr>
@@ -2400,8 +2482,10 @@
           <a:bodyPr/>
           <a:lstStyle/>
           <a:p>
-            <a:pPr/>
-            <a:fld id="{86CB4B4D-7CA3-9044-876B-883B54F8677D}" type="slidenum"/>
+            <a:fld id="{86CB4B4D-7CA3-9044-876B-883B54F8677D}" type="slidenum">
+              <a:t>‹#›</a:t>
+            </a:fld>
+            <a:endParaRPr/>
           </a:p>
         </p:txBody>
       </p:sp>
@@ -2410,12 +2494,12 @@
   <p:clrMapOvr>
     <a:masterClrMapping/>
   </p:clrMapOvr>
-  <p:transition xmlns:p14="http://schemas.microsoft.com/office/powerpoint/2010/main" spd="med" advClick="1"/>
+  <p:transition spd="med"/>
 </p:sldLayout>
 </file>
 
 <file path=ppt/slideLayouts/slideLayout9.xml><?xml version="1.0" encoding="utf-8"?>
-<p:sldLayout xmlns:a="http://schemas.openxmlformats.org/drawingml/2006/main" xmlns:r="http://schemas.openxmlformats.org/officeDocument/2006/relationships" xmlns:p="http://schemas.openxmlformats.org/presentationml/2006/main" type="tx" showMasterSp="0" showMasterPhAnim="1">
+<p:sldLayout xmlns:a="http://schemas.openxmlformats.org/drawingml/2006/main" xmlns:r="http://schemas.openxmlformats.org/officeDocument/2006/relationships" xmlns:p="http://schemas.openxmlformats.org/presentationml/2006/main" showMasterSp="0" type="tx">
   <p:cSld name="Photo - 3 Up">
     <p:spTree>
       <p:nvGrpSpPr>
@@ -2434,7 +2518,9 @@
       <p:sp>
         <p:nvSpPr>
           <p:cNvPr id="97" name="Shape 97"/>
-          <p:cNvSpPr/>
+          <p:cNvSpPr>
+            <a:spLocks noGrp="1"/>
+          </p:cNvSpPr>
           <p:nvPr>
             <p:ph type="pic" sz="quarter" idx="13"/>
           </p:nvPr>
@@ -2457,14 +2543,16 @@
           </a:bodyPr>
           <a:lstStyle/>
           <a:p>
-            <a:pPr/>
+            <a:endParaRPr/>
           </a:p>
         </p:txBody>
       </p:sp>
       <p:sp>
         <p:nvSpPr>
           <p:cNvPr id="98" name="Shape 98"/>
-          <p:cNvSpPr/>
+          <p:cNvSpPr>
+            <a:spLocks noGrp="1"/>
+          </p:cNvSpPr>
           <p:nvPr>
             <p:ph type="pic" sz="quarter" idx="14"/>
           </p:nvPr>
@@ -2487,14 +2575,16 @@
           </a:bodyPr>
           <a:lstStyle/>
           <a:p>
-            <a:pPr/>
+            <a:endParaRPr/>
           </a:p>
         </p:txBody>
       </p:sp>
       <p:sp>
         <p:nvSpPr>
           <p:cNvPr id="99" name="Shape 99"/>
-          <p:cNvSpPr/>
+          <p:cNvSpPr>
+            <a:spLocks noGrp="1"/>
+          </p:cNvSpPr>
           <p:nvPr>
             <p:ph type="pic" sz="half" idx="15"/>
           </p:nvPr>
@@ -2517,14 +2607,16 @@
           </a:bodyPr>
           <a:lstStyle/>
           <a:p>
-            <a:pPr/>
+            <a:endParaRPr/>
           </a:p>
         </p:txBody>
       </p:sp>
       <p:sp>
         <p:nvSpPr>
           <p:cNvPr id="100" name="Shape 100"/>
-          <p:cNvSpPr/>
+          <p:cNvSpPr>
+            <a:spLocks noGrp="1"/>
+          </p:cNvSpPr>
           <p:nvPr>
             <p:ph type="sldNum" sz="quarter" idx="2"/>
           </p:nvPr>
@@ -2538,8 +2630,10 @@
           <a:bodyPr/>
           <a:lstStyle/>
           <a:p>
-            <a:pPr/>
-            <a:fld id="{86CB4B4D-7CA3-9044-876B-883B54F8677D}" type="slidenum"/>
+            <a:fld id="{86CB4B4D-7CA3-9044-876B-883B54F8677D}" type="slidenum">
+              <a:t>‹#›</a:t>
+            </a:fld>
+            <a:endParaRPr/>
           </a:p>
         </p:txBody>
       </p:sp>
@@ -2548,7 +2642,7 @@
   <p:clrMapOvr>
     <a:masterClrMapping/>
   </p:clrMapOvr>
-  <p:transition xmlns:p14="http://schemas.microsoft.com/office/powerpoint/2010/main" spd="med" advClick="1"/>
+  <p:transition spd="med"/>
 </p:sldLayout>
 </file>
 
@@ -2558,12 +2652,13 @@
     <p:bg>
       <p:bgPr>
         <a:blipFill rotWithShape="1">
-          <a:blip r:embed="rId2"/>
-          <a:srcRect l="0" t="0" r="0" b="0"/>
+          <a:blip r:embed="rId14"/>
+          <a:srcRect/>
           <a:stretch>
             <a:fillRect/>
           </a:stretch>
         </a:blipFill>
+        <a:effectLst/>
       </p:bgPr>
     </p:bg>
     <p:spTree>
@@ -2618,6 +2713,7 @@
                 <a:sym typeface="Helvetica"/>
               </a:defRPr>
             </a:pPr>
+            <a:endParaRPr/>
           </a:p>
         </p:txBody>
       </p:sp>
@@ -2659,13 +2755,16 @@
                 <a:sym typeface="Helvetica"/>
               </a:defRPr>
             </a:pPr>
+            <a:endParaRPr/>
           </a:p>
         </p:txBody>
       </p:sp>
       <p:sp>
         <p:nvSpPr>
           <p:cNvPr id="4" name="Shape 4"/>
-          <p:cNvSpPr/>
+          <p:cNvSpPr>
+            <a:spLocks noGrp="1"/>
+          </p:cNvSpPr>
           <p:nvPr>
             <p:ph type="title"/>
           </p:nvPr>
@@ -2683,17 +2782,16 @@
           </a:ln>
           <a:extLst>
             <a:ext uri="{C572A759-6A51-4108-AA02-DFA0A04FC94B}">
-              <ma14:wrappingTextBoxFlag xmlns:ma14="http://schemas.microsoft.com/office/mac/drawingml/2011/main" val="1"/>
+              <ma14:wrappingTextBoxFlag xmlns:ma14="http://schemas.microsoft.com/office/mac/drawingml/2011/main" xmlns="" val="1"/>
             </a:ext>
           </a:extLst>
         </p:spPr>
         <p:txBody>
           <a:bodyPr lIns="50800" tIns="50800" rIns="50800" bIns="50800" anchor="ctr">
-            <a:normAutofit fontScale="100000" lnSpcReduction="0"/>
+            <a:normAutofit/>
           </a:bodyPr>
           <a:lstStyle/>
           <a:p>
-            <a:pPr/>
             <a:r>
               <a:t>Title Text</a:t>
             </a:r>
@@ -2703,7 +2801,9 @@
       <p:sp>
         <p:nvSpPr>
           <p:cNvPr id="5" name="Shape 5"/>
-          <p:cNvSpPr/>
+          <p:cNvSpPr>
+            <a:spLocks noGrp="1"/>
+          </p:cNvSpPr>
           <p:nvPr>
             <p:ph type="body" idx="1"/>
           </p:nvPr>
@@ -2721,17 +2821,16 @@
           </a:ln>
           <a:extLst>
             <a:ext uri="{C572A759-6A51-4108-AA02-DFA0A04FC94B}">
-              <ma14:wrappingTextBoxFlag xmlns:ma14="http://schemas.microsoft.com/office/mac/drawingml/2011/main" val="1"/>
+              <ma14:wrappingTextBoxFlag xmlns:ma14="http://schemas.microsoft.com/office/mac/drawingml/2011/main" xmlns="" val="1"/>
             </a:ext>
           </a:extLst>
         </p:spPr>
         <p:txBody>
           <a:bodyPr lIns="50800" tIns="50800" rIns="50800" bIns="50800" anchor="ctr">
-            <a:normAutofit fontScale="100000" lnSpcReduction="0"/>
+            <a:normAutofit/>
           </a:bodyPr>
           <a:lstStyle/>
           <a:p>
-            <a:pPr/>
             <a:r>
               <a:t>Body Level One</a:t>
             </a:r>
@@ -2765,7 +2864,9 @@
       <p:sp>
         <p:nvSpPr>
           <p:cNvPr id="6" name="Shape 6"/>
-          <p:cNvSpPr/>
+          <p:cNvSpPr>
+            <a:spLocks noGrp="1"/>
+          </p:cNvSpPr>
           <p:nvPr>
             <p:ph type="sldNum" sz="quarter" idx="2"/>
           </p:nvPr>
@@ -2796,8 +2897,10 @@
             </a:lvl1pPr>
           </a:lstStyle>
           <a:p>
-            <a:pPr/>
-            <a:fld id="{86CB4B4D-7CA3-9044-876B-883B54F8677D}" type="slidenum"/>
+            <a:fld id="{86CB4B4D-7CA3-9044-876B-883B54F8677D}" type="slidenum">
+              <a:t>‹#›</a:t>
+            </a:fld>
+            <a:endParaRPr/>
           </a:p>
         </p:txBody>
       </p:sp>
@@ -2805,20 +2908,20 @@
   </p:cSld>
   <p:clrMap bg1="lt1" tx1="dk1" bg2="lt2" tx2="dk2" accent1="accent1" accent2="accent2" accent3="accent3" accent4="accent4" accent5="accent5" accent6="accent6" hlink="hlink" folHlink="folHlink"/>
   <p:sldLayoutIdLst>
-    <p:sldLayoutId id="2147483649" r:id="rId3"/>
-    <p:sldLayoutId id="2147483650" r:id="rId4"/>
-    <p:sldLayoutId id="2147483651" r:id="rId5"/>
-    <p:sldLayoutId id="2147483652" r:id="rId6"/>
-    <p:sldLayoutId id="2147483653" r:id="rId7"/>
-    <p:sldLayoutId id="2147483654" r:id="rId8"/>
-    <p:sldLayoutId id="2147483655" r:id="rId9"/>
-    <p:sldLayoutId id="2147483656" r:id="rId10"/>
-    <p:sldLayoutId id="2147483657" r:id="rId11"/>
-    <p:sldLayoutId id="2147483658" r:id="rId12"/>
-    <p:sldLayoutId id="2147483659" r:id="rId13"/>
-    <p:sldLayoutId id="2147483660" r:id="rId14"/>
+    <p:sldLayoutId id="2147483649" r:id="rId1"/>
+    <p:sldLayoutId id="2147483650" r:id="rId2"/>
+    <p:sldLayoutId id="2147483651" r:id="rId3"/>
+    <p:sldLayoutId id="2147483652" r:id="rId4"/>
+    <p:sldLayoutId id="2147483653" r:id="rId5"/>
+    <p:sldLayoutId id="2147483654" r:id="rId6"/>
+    <p:sldLayoutId id="2147483655" r:id="rId7"/>
+    <p:sldLayoutId id="2147483656" r:id="rId8"/>
+    <p:sldLayoutId id="2147483657" r:id="rId9"/>
+    <p:sldLayoutId id="2147483658" r:id="rId10"/>
+    <p:sldLayoutId id="2147483659" r:id="rId11"/>
+    <p:sldLayoutId id="2147483660" r:id="rId12"/>
   </p:sldLayoutIdLst>
-  <p:transition xmlns:p14="http://schemas.microsoft.com/office/powerpoint/2010/main" spd="med" advClick="1"/>
+  <p:transition spd="med"/>
   <p:txStyles>
     <p:titleStyle>
       <a:lvl1pPr marL="0" marR="0" indent="0" algn="ctr" defTabSz="584200" rtl="0" latinLnBrk="0">
@@ -2836,7 +2939,7 @@
         <a:buFontTx/>
         <a:buNone/>
         <a:tabLst/>
-        <a:defRPr b="0" baseline="0" cap="none" i="0" spc="0" strike="noStrike" sz="7000" u="none">
+        <a:defRPr sz="7000" b="0" i="0" u="none" strike="noStrike" cap="none" spc="0" baseline="0">
           <a:ln>
             <a:noFill/>
           </a:ln>
@@ -2865,7 +2968,7 @@
         <a:buFontTx/>
         <a:buNone/>
         <a:tabLst/>
-        <a:defRPr b="0" baseline="0" cap="none" i="0" spc="0" strike="noStrike" sz="7000" u="none">
+        <a:defRPr sz="7000" b="0" i="0" u="none" strike="noStrike" cap="none" spc="0" baseline="0">
           <a:ln>
             <a:noFill/>
           </a:ln>
@@ -2894,7 +2997,7 @@
         <a:buFontTx/>
         <a:buNone/>
         <a:tabLst/>
-        <a:defRPr b="0" baseline="0" cap="none" i="0" spc="0" strike="noStrike" sz="7000" u="none">
+        <a:defRPr sz="7000" b="0" i="0" u="none" strike="noStrike" cap="none" spc="0" baseline="0">
           <a:ln>
             <a:noFill/>
           </a:ln>
@@ -2923,7 +3026,7 @@
         <a:buFontTx/>
         <a:buNone/>
         <a:tabLst/>
-        <a:defRPr b="0" baseline="0" cap="none" i="0" spc="0" strike="noStrike" sz="7000" u="none">
+        <a:defRPr sz="7000" b="0" i="0" u="none" strike="noStrike" cap="none" spc="0" baseline="0">
           <a:ln>
             <a:noFill/>
           </a:ln>
@@ -2952,7 +3055,7 @@
         <a:buFontTx/>
         <a:buNone/>
         <a:tabLst/>
-        <a:defRPr b="0" baseline="0" cap="none" i="0" spc="0" strike="noStrike" sz="7000" u="none">
+        <a:defRPr sz="7000" b="0" i="0" u="none" strike="noStrike" cap="none" spc="0" baseline="0">
           <a:ln>
             <a:noFill/>
           </a:ln>
@@ -2981,7 +3084,7 @@
         <a:buFontTx/>
         <a:buNone/>
         <a:tabLst/>
-        <a:defRPr b="0" baseline="0" cap="none" i="0" spc="0" strike="noStrike" sz="7000" u="none">
+        <a:defRPr sz="7000" b="0" i="0" u="none" strike="noStrike" cap="none" spc="0" baseline="0">
           <a:ln>
             <a:noFill/>
           </a:ln>
@@ -3010,7 +3113,7 @@
         <a:buFontTx/>
         <a:buNone/>
         <a:tabLst/>
-        <a:defRPr b="0" baseline="0" cap="none" i="0" spc="0" strike="noStrike" sz="7000" u="none">
+        <a:defRPr sz="7000" b="0" i="0" u="none" strike="noStrike" cap="none" spc="0" baseline="0">
           <a:ln>
             <a:noFill/>
           </a:ln>
@@ -3039,7 +3142,7 @@
         <a:buFontTx/>
         <a:buNone/>
         <a:tabLst/>
-        <a:defRPr b="0" baseline="0" cap="none" i="0" spc="0" strike="noStrike" sz="7000" u="none">
+        <a:defRPr sz="7000" b="0" i="0" u="none" strike="noStrike" cap="none" spc="0" baseline="0">
           <a:ln>
             <a:noFill/>
           </a:ln>
@@ -3068,7 +3171,7 @@
         <a:buFontTx/>
         <a:buNone/>
         <a:tabLst/>
-        <a:defRPr b="0" baseline="0" cap="none" i="0" spc="0" strike="noStrike" sz="7000" u="none">
+        <a:defRPr sz="7000" b="0" i="0" u="none" strike="noStrike" cap="none" spc="0" baseline="0">
           <a:ln>
             <a:noFill/>
           </a:ln>
@@ -3101,7 +3204,7 @@
         <a:buFont typeface="Zapf Dingbats"/>
         <a:buChar char="❖"/>
         <a:tabLst/>
-        <a:defRPr b="0" baseline="0" cap="none" i="0" spc="0" strike="noStrike" sz="3600" u="none">
+        <a:defRPr sz="3600" b="0" i="0" u="none" strike="noStrike" cap="none" spc="0" baseline="0">
           <a:ln>
             <a:noFill/>
           </a:ln>
@@ -3132,7 +3235,7 @@
         <a:buFont typeface="Zapf Dingbats"/>
         <a:buChar char="❖"/>
         <a:tabLst/>
-        <a:defRPr b="0" baseline="0" cap="none" i="0" spc="0" strike="noStrike" sz="3600" u="none">
+        <a:defRPr sz="3600" b="0" i="0" u="none" strike="noStrike" cap="none" spc="0" baseline="0">
           <a:ln>
             <a:noFill/>
           </a:ln>
@@ -3163,7 +3266,7 @@
         <a:buFont typeface="Zapf Dingbats"/>
         <a:buChar char="❖"/>
         <a:tabLst/>
-        <a:defRPr b="0" baseline="0" cap="none" i="0" spc="0" strike="noStrike" sz="3600" u="none">
+        <a:defRPr sz="3600" b="0" i="0" u="none" strike="noStrike" cap="none" spc="0" baseline="0">
           <a:ln>
             <a:noFill/>
           </a:ln>
@@ -3194,7 +3297,7 @@
         <a:buFont typeface="Zapf Dingbats"/>
         <a:buChar char="❖"/>
         <a:tabLst/>
-        <a:defRPr b="0" baseline="0" cap="none" i="0" spc="0" strike="noStrike" sz="3600" u="none">
+        <a:defRPr sz="3600" b="0" i="0" u="none" strike="noStrike" cap="none" spc="0" baseline="0">
           <a:ln>
             <a:noFill/>
           </a:ln>
@@ -3225,7 +3328,7 @@
         <a:buFont typeface="Zapf Dingbats"/>
         <a:buChar char="❖"/>
         <a:tabLst/>
-        <a:defRPr b="0" baseline="0" cap="none" i="0" spc="0" strike="noStrike" sz="3600" u="none">
+        <a:defRPr sz="3600" b="0" i="0" u="none" strike="noStrike" cap="none" spc="0" baseline="0">
           <a:ln>
             <a:noFill/>
           </a:ln>
@@ -3256,7 +3359,7 @@
         <a:buFont typeface="Zapf Dingbats"/>
         <a:buChar char="❖"/>
         <a:tabLst/>
-        <a:defRPr b="0" baseline="0" cap="none" i="0" spc="0" strike="noStrike" sz="3600" u="none">
+        <a:defRPr sz="3600" b="0" i="0" u="none" strike="noStrike" cap="none" spc="0" baseline="0">
           <a:ln>
             <a:noFill/>
           </a:ln>
@@ -3287,7 +3390,7 @@
         <a:buFont typeface="Zapf Dingbats"/>
         <a:buChar char="❖"/>
         <a:tabLst/>
-        <a:defRPr b="0" baseline="0" cap="none" i="0" spc="0" strike="noStrike" sz="3600" u="none">
+        <a:defRPr sz="3600" b="0" i="0" u="none" strike="noStrike" cap="none" spc="0" baseline="0">
           <a:ln>
             <a:noFill/>
           </a:ln>
@@ -3318,7 +3421,7 @@
         <a:buFont typeface="Zapf Dingbats"/>
         <a:buChar char="❖"/>
         <a:tabLst/>
-        <a:defRPr b="0" baseline="0" cap="none" i="0" spc="0" strike="noStrike" sz="3600" u="none">
+        <a:defRPr sz="3600" b="0" i="0" u="none" strike="noStrike" cap="none" spc="0" baseline="0">
           <a:ln>
             <a:noFill/>
           </a:ln>
@@ -3349,7 +3452,7 @@
         <a:buFont typeface="Zapf Dingbats"/>
         <a:buChar char="❖"/>
         <a:tabLst/>
-        <a:defRPr b="0" baseline="0" cap="none" i="0" spc="0" strike="noStrike" sz="3600" u="none">
+        <a:defRPr sz="3600" b="0" i="0" u="none" strike="noStrike" cap="none" spc="0" baseline="0">
           <a:ln>
             <a:noFill/>
           </a:ln>
@@ -3380,7 +3483,7 @@
         <a:buFontTx/>
         <a:buNone/>
         <a:tabLst/>
-        <a:defRPr b="0" baseline="0" cap="none" i="0" spc="0" strike="noStrike" sz="1800" u="none">
+        <a:defRPr sz="1800" b="0" i="0" u="none" strike="noStrike" cap="none" spc="0" baseline="0">
           <a:ln>
             <a:noFill/>
           </a:ln>
@@ -3409,7 +3512,7 @@
         <a:buFontTx/>
         <a:buNone/>
         <a:tabLst/>
-        <a:defRPr b="0" baseline="0" cap="none" i="0" spc="0" strike="noStrike" sz="1800" u="none">
+        <a:defRPr sz="1800" b="0" i="0" u="none" strike="noStrike" cap="none" spc="0" baseline="0">
           <a:ln>
             <a:noFill/>
           </a:ln>
@@ -3438,7 +3541,7 @@
         <a:buFontTx/>
         <a:buNone/>
         <a:tabLst/>
-        <a:defRPr b="0" baseline="0" cap="none" i="0" spc="0" strike="noStrike" sz="1800" u="none">
+        <a:defRPr sz="1800" b="0" i="0" u="none" strike="noStrike" cap="none" spc="0" baseline="0">
           <a:ln>
             <a:noFill/>
           </a:ln>
@@ -3467,7 +3570,7 @@
         <a:buFontTx/>
         <a:buNone/>
         <a:tabLst/>
-        <a:defRPr b="0" baseline="0" cap="none" i="0" spc="0" strike="noStrike" sz="1800" u="none">
+        <a:defRPr sz="1800" b="0" i="0" u="none" strike="noStrike" cap="none" spc="0" baseline="0">
           <a:ln>
             <a:noFill/>
           </a:ln>
@@ -3496,7 +3599,7 @@
         <a:buFontTx/>
         <a:buNone/>
         <a:tabLst/>
-        <a:defRPr b="0" baseline="0" cap="none" i="0" spc="0" strike="noStrike" sz="1800" u="none">
+        <a:defRPr sz="1800" b="0" i="0" u="none" strike="noStrike" cap="none" spc="0" baseline="0">
           <a:ln>
             <a:noFill/>
           </a:ln>
@@ -3525,7 +3628,7 @@
         <a:buFontTx/>
         <a:buNone/>
         <a:tabLst/>
-        <a:defRPr b="0" baseline="0" cap="none" i="0" spc="0" strike="noStrike" sz="1800" u="none">
+        <a:defRPr sz="1800" b="0" i="0" u="none" strike="noStrike" cap="none" spc="0" baseline="0">
           <a:ln>
             <a:noFill/>
           </a:ln>
@@ -3554,7 +3657,7 @@
         <a:buFontTx/>
         <a:buNone/>
         <a:tabLst/>
-        <a:defRPr b="0" baseline="0" cap="none" i="0" spc="0" strike="noStrike" sz="1800" u="none">
+        <a:defRPr sz="1800" b="0" i="0" u="none" strike="noStrike" cap="none" spc="0" baseline="0">
           <a:ln>
             <a:noFill/>
           </a:ln>
@@ -3583,7 +3686,7 @@
         <a:buFontTx/>
         <a:buNone/>
         <a:tabLst/>
-        <a:defRPr b="0" baseline="0" cap="none" i="0" spc="0" strike="noStrike" sz="1800" u="none">
+        <a:defRPr sz="1800" b="0" i="0" u="none" strike="noStrike" cap="none" spc="0" baseline="0">
           <a:ln>
             <a:noFill/>
           </a:ln>
@@ -3612,7 +3715,7 @@
         <a:buFontTx/>
         <a:buNone/>
         <a:tabLst/>
-        <a:defRPr b="0" baseline="0" cap="none" i="0" spc="0" strike="noStrike" sz="1800" u="none">
+        <a:defRPr sz="1800" b="0" i="0" u="none" strike="noStrike" cap="none" spc="0" baseline="0">
           <a:ln>
             <a:noFill/>
           </a:ln>
@@ -3632,7 +3735,7 @@
 </file>
 
 <file path=ppt/slides/slide1.xml><?xml version="1.0" encoding="utf-8"?>
-<p:sld xmlns:a="http://schemas.openxmlformats.org/drawingml/2006/main" xmlns:r="http://schemas.openxmlformats.org/officeDocument/2006/relationships" xmlns:p="http://schemas.openxmlformats.org/presentationml/2006/main" showMasterSp="1" showMasterPhAnim="1">
+<p:sld xmlns:a="http://schemas.openxmlformats.org/drawingml/2006/main" xmlns:r="http://schemas.openxmlformats.org/officeDocument/2006/relationships" xmlns:p="http://schemas.openxmlformats.org/presentationml/2006/main">
   <p:cSld>
     <p:spTree>
       <p:nvGrpSpPr>
@@ -3651,7 +3754,9 @@
       <p:sp>
         <p:nvSpPr>
           <p:cNvPr id="133" name="Shape 133"/>
-          <p:cNvSpPr/>
+          <p:cNvSpPr>
+            <a:spLocks noGrp="1"/>
+          </p:cNvSpPr>
           <p:nvPr>
             <p:ph type="ctrTitle"/>
           </p:nvPr>
@@ -3665,7 +3770,6 @@
           <a:bodyPr/>
           <a:lstStyle/>
           <a:p>
-            <a:pPr/>
             <a:r>
               <a:t>Delivery System</a:t>
             </a:r>
@@ -3675,7 +3779,9 @@
       <p:sp>
         <p:nvSpPr>
           <p:cNvPr id="134" name="Shape 134"/>
-          <p:cNvSpPr/>
+          <p:cNvSpPr>
+            <a:spLocks noGrp="1"/>
+          </p:cNvSpPr>
           <p:nvPr>
             <p:ph type="subTitle" sz="quarter" idx="1"/>
           </p:nvPr>
@@ -3689,13 +3795,11 @@
           <a:bodyPr/>
           <a:lstStyle/>
           <a:p>
-            <a:pPr/>
             <a:r>
               <a:t>Anh Nguyen</a:t>
             </a:r>
           </a:p>
           <a:p>
-            <a:pPr/>
             <a:r>
               <a:t>Hai Dang Nguyen</a:t>
             </a:r>
@@ -3736,12 +3840,12 @@
   <p:clrMapOvr>
     <a:masterClrMapping/>
   </p:clrMapOvr>
-  <p:transition xmlns:p14="http://schemas.microsoft.com/office/powerpoint/2010/main" spd="med" advClick="1"/>
+  <p:transition spd="med"/>
 </p:sld>
 </file>
 
 <file path=ppt/slides/slide2.xml><?xml version="1.0" encoding="utf-8"?>
-<p:sld xmlns:a="http://schemas.openxmlformats.org/drawingml/2006/main" xmlns:r="http://schemas.openxmlformats.org/officeDocument/2006/relationships" xmlns:p="http://schemas.openxmlformats.org/presentationml/2006/main" showMasterSp="1" showMasterPhAnim="1">
+<p:sld xmlns:a="http://schemas.openxmlformats.org/drawingml/2006/main" xmlns:r="http://schemas.openxmlformats.org/officeDocument/2006/relationships" xmlns:p="http://schemas.openxmlformats.org/presentationml/2006/main">
   <p:cSld>
     <p:spTree>
       <p:nvGrpSpPr>
@@ -3759,9 +3863,9 @@
       </p:grpSpPr>
       <p:pic>
         <p:nvPicPr>
-          <p:cNvPr id="137" name=""/>
+          <p:cNvPr id="137" name="Picture Placeholder 136"/>
           <p:cNvPicPr>
-            <a:picLocks noChangeAspect="0"/>
+            <a:picLocks noGrp="1"/>
           </p:cNvPicPr>
           <p:nvPr>
             <p:ph type="pic" idx="13"/>
@@ -3788,7 +3892,9 @@
       <p:sp>
         <p:nvSpPr>
           <p:cNvPr id="138" name="Shape 138"/>
-          <p:cNvSpPr/>
+          <p:cNvSpPr>
+            <a:spLocks noGrp="1"/>
+          </p:cNvSpPr>
           <p:nvPr>
             <p:ph type="title"/>
           </p:nvPr>
@@ -3802,7 +3908,6 @@
           <a:bodyPr/>
           <a:lstStyle/>
           <a:p>
-            <a:pPr/>
             <a:r>
               <a:t>Objective</a:t>
             </a:r>
@@ -3812,7 +3917,9 @@
       <p:sp>
         <p:nvSpPr>
           <p:cNvPr id="139" name="Shape 139"/>
-          <p:cNvSpPr/>
+          <p:cNvSpPr>
+            <a:spLocks noGrp="1"/>
+          </p:cNvSpPr>
           <p:nvPr>
             <p:ph type="body" sz="half" idx="1"/>
           </p:nvPr>
@@ -3826,22 +3933,17 @@
           <a:bodyPr/>
           <a:lstStyle/>
           <a:p>
-            <a:pPr/>
             <a:r>
-              <a:t>Help customer transport their package day &amp; night</a:t>
+              <a:rPr lang="en-US" dirty="0"/>
+              <a:t>Improve the analysis, design skills using UML</a:t>
             </a:r>
           </a:p>
           <a:p>
-            <a:pPr/>
             <a:r>
-              <a:t>Customer can tracking their package location</a:t>
+              <a:rPr lang="en-US" dirty="0"/>
+              <a:t>Learn Java, JavaFX</a:t>
             </a:r>
-          </a:p>
-          <a:p>
-            <a:pPr/>
-            <a:r>
-              <a:t>Help customer earn their own benefits</a:t>
-            </a:r>
+            <a:endParaRPr dirty="0"/>
           </a:p>
         </p:txBody>
       </p:sp>
@@ -3850,12 +3952,12 @@
   <p:clrMapOvr>
     <a:masterClrMapping/>
   </p:clrMapOvr>
-  <p:transition xmlns:p14="http://schemas.microsoft.com/office/powerpoint/2010/main" spd="med" advClick="1" p14:dur="1000"/>
+  <p:transition spd="slow"/>
 </p:sld>
 </file>
 
 <file path=ppt/slides/slide3.xml><?xml version="1.0" encoding="utf-8"?>
-<p:sld xmlns:a="http://schemas.openxmlformats.org/drawingml/2006/main" xmlns:r="http://schemas.openxmlformats.org/officeDocument/2006/relationships" xmlns:p="http://schemas.openxmlformats.org/presentationml/2006/main" showMasterSp="1" showMasterPhAnim="1">
+<p:sld xmlns:a="http://schemas.openxmlformats.org/drawingml/2006/main" xmlns:r="http://schemas.openxmlformats.org/officeDocument/2006/relationships" xmlns:p="http://schemas.openxmlformats.org/presentationml/2006/main">
   <p:cSld>
     <p:spTree>
       <p:nvGrpSpPr>
@@ -3874,7 +3976,9 @@
       <p:sp>
         <p:nvSpPr>
           <p:cNvPr id="141" name="Shape 141"/>
-          <p:cNvSpPr/>
+          <p:cNvSpPr>
+            <a:spLocks noGrp="1"/>
+          </p:cNvSpPr>
           <p:nvPr>
             <p:ph type="title"/>
           </p:nvPr>
@@ -3888,7 +3992,6 @@
           <a:bodyPr/>
           <a:lstStyle/>
           <a:p>
-            <a:pPr/>
             <a:r>
               <a:t>Technology</a:t>
             </a:r>
@@ -3898,7 +4001,9 @@
       <p:sp>
         <p:nvSpPr>
           <p:cNvPr id="142" name="Shape 142"/>
-          <p:cNvSpPr/>
+          <p:cNvSpPr>
+            <a:spLocks noGrp="1"/>
+          </p:cNvSpPr>
           <p:nvPr>
             <p:ph type="body" idx="1"/>
           </p:nvPr>
@@ -3912,25 +4017,21 @@
           <a:bodyPr/>
           <a:lstStyle/>
           <a:p>
-            <a:pPr/>
             <a:r>
               <a:t>Front End : JavaFX</a:t>
             </a:r>
           </a:p>
           <a:p>
-            <a:pPr/>
             <a:r>
               <a:t>BackEnd : Java</a:t>
             </a:r>
           </a:p>
           <a:p>
-            <a:pPr/>
             <a:r>
               <a:t>Database : SQLite</a:t>
             </a:r>
           </a:p>
           <a:p>
-            <a:pPr/>
             <a:r>
               <a:t>Nonfunctional requirement : performance, memory management, UI Design</a:t>
             </a:r>
@@ -3942,12 +4043,12 @@
   <p:clrMapOvr>
     <a:masterClrMapping/>
   </p:clrMapOvr>
-  <p:transition xmlns:p14="http://schemas.microsoft.com/office/powerpoint/2010/main" spd="med" advClick="1" p14:dur="1000"/>
+  <p:transition spd="slow"/>
 </p:sld>
 </file>
 
 <file path=ppt/slides/slide4.xml><?xml version="1.0" encoding="utf-8"?>
-<p:sld xmlns:a="http://schemas.openxmlformats.org/drawingml/2006/main" xmlns:r="http://schemas.openxmlformats.org/officeDocument/2006/relationships" xmlns:p="http://schemas.openxmlformats.org/presentationml/2006/main" showMasterSp="1" showMasterPhAnim="1">
+<p:sld xmlns:a="http://schemas.openxmlformats.org/drawingml/2006/main" xmlns:r="http://schemas.openxmlformats.org/officeDocument/2006/relationships" xmlns:p="http://schemas.openxmlformats.org/presentationml/2006/main">
   <p:cSld>
     <p:spTree>
       <p:nvGrpSpPr>
@@ -3966,7 +4067,9 @@
       <p:sp>
         <p:nvSpPr>
           <p:cNvPr id="144" name="Shape 144"/>
-          <p:cNvSpPr/>
+          <p:cNvSpPr>
+            <a:spLocks noGrp="1"/>
+          </p:cNvSpPr>
           <p:nvPr>
             <p:ph type="title"/>
           </p:nvPr>
@@ -3980,7 +4083,6 @@
           <a:bodyPr/>
           <a:lstStyle/>
           <a:p>
-            <a:pPr/>
             <a:r>
               <a:t>Use Cases</a:t>
             </a:r>
@@ -4021,12 +4123,12 @@
   <p:clrMapOvr>
     <a:masterClrMapping/>
   </p:clrMapOvr>
-  <p:transition xmlns:p14="http://schemas.microsoft.com/office/powerpoint/2010/main" spd="med" advClick="1" p14:dur="1000"/>
+  <p:transition spd="slow"/>
 </p:sld>
 </file>
 
 <file path=ppt/slides/slide5.xml><?xml version="1.0" encoding="utf-8"?>
-<p:sld xmlns:a="http://schemas.openxmlformats.org/drawingml/2006/main" xmlns:r="http://schemas.openxmlformats.org/officeDocument/2006/relationships" xmlns:p="http://schemas.openxmlformats.org/presentationml/2006/main" showMasterSp="1" showMasterPhAnim="1">
+<p:sld xmlns:a="http://schemas.openxmlformats.org/drawingml/2006/main" xmlns:r="http://schemas.openxmlformats.org/officeDocument/2006/relationships" xmlns:p="http://schemas.openxmlformats.org/presentationml/2006/main">
   <p:cSld>
     <p:spTree>
       <p:nvGrpSpPr>
@@ -4045,7 +4147,9 @@
       <p:sp>
         <p:nvSpPr>
           <p:cNvPr id="147" name="Shape 147"/>
-          <p:cNvSpPr/>
+          <p:cNvSpPr>
+            <a:spLocks noGrp="1"/>
+          </p:cNvSpPr>
           <p:nvPr>
             <p:ph type="title"/>
           </p:nvPr>
@@ -4059,7 +4163,6 @@
           <a:bodyPr/>
           <a:lstStyle/>
           <a:p>
-            <a:pPr/>
             <a:r>
               <a:t>System UML</a:t>
             </a:r>
@@ -4100,12 +4203,12 @@
   <p:clrMapOvr>
     <a:masterClrMapping/>
   </p:clrMapOvr>
-  <p:transition xmlns:p14="http://schemas.microsoft.com/office/powerpoint/2010/main" spd="med" advClick="1" p14:dur="1000"/>
+  <p:transition spd="slow"/>
 </p:sld>
 </file>
 
 <file path=ppt/slides/slide6.xml><?xml version="1.0" encoding="utf-8"?>
-<p:sld xmlns:a="http://schemas.openxmlformats.org/drawingml/2006/main" xmlns:r="http://schemas.openxmlformats.org/officeDocument/2006/relationships" xmlns:p="http://schemas.openxmlformats.org/presentationml/2006/main" showMasterSp="1" showMasterPhAnim="1">
+<p:sld xmlns:a="http://schemas.openxmlformats.org/drawingml/2006/main" xmlns:r="http://schemas.openxmlformats.org/officeDocument/2006/relationships" xmlns:p="http://schemas.openxmlformats.org/presentationml/2006/main">
   <p:cSld>
     <p:spTree>
       <p:nvGrpSpPr>
@@ -4124,7 +4227,9 @@
       <p:sp>
         <p:nvSpPr>
           <p:cNvPr id="150" name="Shape 150"/>
-          <p:cNvSpPr/>
+          <p:cNvSpPr>
+            <a:spLocks noGrp="1"/>
+          </p:cNvSpPr>
           <p:nvPr>
             <p:ph type="title"/>
           </p:nvPr>
@@ -4138,7 +4243,6 @@
           <a:bodyPr/>
           <a:lstStyle/>
           <a:p>
-            <a:pPr/>
             <a:r>
               <a:t>Shipment &amp; Pricing ?</a:t>
             </a:r>
@@ -4179,12 +4283,12 @@
   <p:clrMapOvr>
     <a:masterClrMapping/>
   </p:clrMapOvr>
-  <p:transition xmlns:p14="http://schemas.microsoft.com/office/powerpoint/2010/main" spd="med" advClick="1" p14:dur="1000"/>
+  <p:transition spd="slow"/>
 </p:sld>
 </file>
 
 <file path=ppt/slides/slide7.xml><?xml version="1.0" encoding="utf-8"?>
-<p:sld xmlns:a="http://schemas.openxmlformats.org/drawingml/2006/main" xmlns:r="http://schemas.openxmlformats.org/officeDocument/2006/relationships" xmlns:p="http://schemas.openxmlformats.org/presentationml/2006/main" showMasterSp="1" showMasterPhAnim="1">
+<p:sld xmlns:a="http://schemas.openxmlformats.org/drawingml/2006/main" xmlns:r="http://schemas.openxmlformats.org/officeDocument/2006/relationships" xmlns:p="http://schemas.openxmlformats.org/presentationml/2006/main">
   <p:cSld>
     <p:spTree>
       <p:nvGrpSpPr>
@@ -4203,7 +4307,9 @@
       <p:sp>
         <p:nvSpPr>
           <p:cNvPr id="153" name="Shape 153"/>
-          <p:cNvSpPr/>
+          <p:cNvSpPr>
+            <a:spLocks noGrp="1"/>
+          </p:cNvSpPr>
           <p:nvPr>
             <p:ph type="body" idx="13"/>
           </p:nvPr>
@@ -4217,7 +4323,7 @@
           <a:bodyPr/>
           <a:lstStyle/>
           <a:p>
-            <a:pPr lvl="1" marL="0" indent="228600" algn="ctr">
+            <a:pPr marL="0" lvl="1" indent="228600" algn="ctr">
               <a:spcBef>
                 <a:spcPts val="1200"/>
               </a:spcBef>
@@ -4225,7 +4331,7 @@
               <a:buSzTx/>
               <a:buFontTx/>
               <a:buNone/>
-              <a:defRPr i="1" sz="3000"/>
+              <a:defRPr sz="3000" i="1"/>
             </a:pPr>
             <a:r>
               <a:t>–Linus Torvalds</a:t>
@@ -4236,7 +4342,9 @@
       <p:sp>
         <p:nvSpPr>
           <p:cNvPr id="154" name="Shape 154"/>
-          <p:cNvSpPr/>
+          <p:cNvSpPr>
+            <a:spLocks noGrp="1"/>
+          </p:cNvSpPr>
           <p:nvPr>
             <p:ph type="body" idx="14"/>
           </p:nvPr>
@@ -4250,7 +4358,6 @@
           <a:bodyPr/>
           <a:lstStyle/>
           <a:p>
-            <a:pPr/>
             <a:r>
               <a:t>“Talk is cheap, show me the code” </a:t>
             </a:r>
@@ -4262,12 +4369,12 @@
   <p:clrMapOvr>
     <a:masterClrMapping/>
   </p:clrMapOvr>
-  <p:transition xmlns:p14="http://schemas.microsoft.com/office/powerpoint/2010/main" spd="med" advClick="1" p14:dur="1000"/>
+  <p:transition spd="slow"/>
 </p:sld>
 </file>
 
 <file path=ppt/slides/slide8.xml><?xml version="1.0" encoding="utf-8"?>
-<p:sld xmlns:a="http://schemas.openxmlformats.org/drawingml/2006/main" xmlns:r="http://schemas.openxmlformats.org/officeDocument/2006/relationships" xmlns:p="http://schemas.openxmlformats.org/presentationml/2006/main" showMasterSp="1" showMasterPhAnim="1">
+<p:sld xmlns:a="http://schemas.openxmlformats.org/drawingml/2006/main" xmlns:r="http://schemas.openxmlformats.org/officeDocument/2006/relationships" xmlns:p="http://schemas.openxmlformats.org/presentationml/2006/main">
   <p:cSld>
     <p:spTree>
       <p:nvGrpSpPr>
@@ -4286,7 +4393,9 @@
       <p:sp>
         <p:nvSpPr>
           <p:cNvPr id="156" name="Shape 156"/>
-          <p:cNvSpPr/>
+          <p:cNvSpPr>
+            <a:spLocks noGrp="1"/>
+          </p:cNvSpPr>
           <p:nvPr>
             <p:ph type="title"/>
           </p:nvPr>
@@ -4300,7 +4409,6 @@
           <a:bodyPr/>
           <a:lstStyle/>
           <a:p>
-            <a:pPr/>
             <a:r>
               <a:t>Q &amp; A</a:t>
             </a:r>
@@ -4312,12 +4420,12 @@
   <p:clrMapOvr>
     <a:masterClrMapping/>
   </p:clrMapOvr>
-  <p:transition xmlns:p14="http://schemas.microsoft.com/office/powerpoint/2010/main" spd="med" advClick="1" p14:dur="1000"/>
+  <p:transition spd="slow"/>
 </p:sld>
 </file>
 
 <file path=ppt/theme/theme1.xml><?xml version="1.0" encoding="utf-8"?>
-<a:theme xmlns:a="http://schemas.openxmlformats.org/drawingml/2006/main" xmlns:r="http://schemas.openxmlformats.org/officeDocument/2006/relationships" name="New_Template4">
+<a:theme xmlns:a="http://schemas.openxmlformats.org/drawingml/2006/main" name="New_Template4">
   <a:themeElements>
     <a:clrScheme name="New_Template4">
       <a:dk1>
@@ -4507,8 +4615,8 @@
     <a:spDef>
       <a:spPr>
         <a:blipFill rotWithShape="1">
-          <a:blip r:embed="rId1"/>
-          <a:srcRect l="0" t="0" r="0" b="0"/>
+          <a:blip xmlns:r="http://schemas.openxmlformats.org/officeDocument/2006/relationships" r:embed="rId1"/>
+          <a:srcRect/>
           <a:tile tx="0" ty="0" sx="100000" sy="100000" flip="none" algn="tl"/>
         </a:blipFill>
         <a:ln w="12700" cap="flat">
@@ -4518,7 +4626,7 @@
         <a:effectLst/>
         <a:sp3d/>
       </a:spPr>
-      <a:bodyPr rot="0" spcFirstLastPara="1" vertOverflow="overflow" horzOverflow="overflow" vert="horz" wrap="square" lIns="50800" tIns="50800" rIns="50800" bIns="50800" numCol="1" spcCol="38100" rtlCol="0" anchor="ctr" upright="0">
+      <a:bodyPr rot="0" spcFirstLastPara="1" vertOverflow="overflow" horzOverflow="overflow" vert="horz" wrap="square" lIns="50800" tIns="50800" rIns="50800" bIns="50800" numCol="1" spcCol="38100" rtlCol="0" anchor="ctr">
         <a:spAutoFit/>
       </a:bodyPr>
       <a:lstStyle>
@@ -4537,7 +4645,7 @@
           <a:buFontTx/>
           <a:buNone/>
           <a:tabLst/>
-          <a:defRPr b="0" baseline="0" cap="none" i="0" spc="0" strike="noStrike" sz="3200" u="none" kumimoji="0" normalizeH="0">
+          <a:defRPr kumimoji="0" sz="3200" b="0" i="0" u="none" strike="noStrike" cap="none" spc="0" normalizeH="0" baseline="0">
             <a:ln>
               <a:noFill/>
             </a:ln>
@@ -4545,7 +4653,7 @@
               <a:srgbClr val="FFFFFF"/>
             </a:solidFill>
             <a:effectLst>
-              <a:outerShdw sx="100000" sy="100000" kx="0" ky="0" algn="b" rotWithShape="0" blurRad="25400" dist="33948" dir="2700000">
+              <a:outerShdw blurRad="25400" dist="33948" dir="2700000" rotWithShape="0">
                 <a:srgbClr val="3B3936"/>
               </a:outerShdw>
             </a:effectLst>
@@ -4571,7 +4679,7 @@
           <a:buFontTx/>
           <a:buNone/>
           <a:tabLst/>
-          <a:defRPr b="0" baseline="0" cap="none" i="0" spc="0" strike="noStrike" sz="1800" u="none" kumimoji="0" normalizeH="0">
+          <a:defRPr kumimoji="0" sz="1800" b="0" i="0" u="none" strike="noStrike" cap="none" spc="0" normalizeH="0" baseline="0">
             <a:ln>
               <a:noFill/>
             </a:ln>
@@ -4597,7 +4705,7 @@
           <a:buFontTx/>
           <a:buNone/>
           <a:tabLst/>
-          <a:defRPr b="0" baseline="0" cap="none" i="0" spc="0" strike="noStrike" sz="1800" u="none" kumimoji="0" normalizeH="0">
+          <a:defRPr kumimoji="0" sz="1800" b="0" i="0" u="none" strike="noStrike" cap="none" spc="0" normalizeH="0" baseline="0">
             <a:ln>
               <a:noFill/>
             </a:ln>
@@ -4623,7 +4731,7 @@
           <a:buFontTx/>
           <a:buNone/>
           <a:tabLst/>
-          <a:defRPr b="0" baseline="0" cap="none" i="0" spc="0" strike="noStrike" sz="1800" u="none" kumimoji="0" normalizeH="0">
+          <a:defRPr kumimoji="0" sz="1800" b="0" i="0" u="none" strike="noStrike" cap="none" spc="0" normalizeH="0" baseline="0">
             <a:ln>
               <a:noFill/>
             </a:ln>
@@ -4649,7 +4757,7 @@
           <a:buFontTx/>
           <a:buNone/>
           <a:tabLst/>
-          <a:defRPr b="0" baseline="0" cap="none" i="0" spc="0" strike="noStrike" sz="1800" u="none" kumimoji="0" normalizeH="0">
+          <a:defRPr kumimoji="0" sz="1800" b="0" i="0" u="none" strike="noStrike" cap="none" spc="0" normalizeH="0" baseline="0">
             <a:ln>
               <a:noFill/>
             </a:ln>
@@ -4675,7 +4783,7 @@
           <a:buFontTx/>
           <a:buNone/>
           <a:tabLst/>
-          <a:defRPr b="0" baseline="0" cap="none" i="0" spc="0" strike="noStrike" sz="1800" u="none" kumimoji="0" normalizeH="0">
+          <a:defRPr kumimoji="0" sz="1800" b="0" i="0" u="none" strike="noStrike" cap="none" spc="0" normalizeH="0" baseline="0">
             <a:ln>
               <a:noFill/>
             </a:ln>
@@ -4701,7 +4809,7 @@
           <a:buFontTx/>
           <a:buNone/>
           <a:tabLst/>
-          <a:defRPr b="0" baseline="0" cap="none" i="0" spc="0" strike="noStrike" sz="1800" u="none" kumimoji="0" normalizeH="0">
+          <a:defRPr kumimoji="0" sz="1800" b="0" i="0" u="none" strike="noStrike" cap="none" spc="0" normalizeH="0" baseline="0">
             <a:ln>
               <a:noFill/>
             </a:ln>
@@ -4727,7 +4835,7 @@
           <a:buFontTx/>
           <a:buNone/>
           <a:tabLst/>
-          <a:defRPr b="0" baseline="0" cap="none" i="0" spc="0" strike="noStrike" sz="1800" u="none" kumimoji="0" normalizeH="0">
+          <a:defRPr kumimoji="0" sz="1800" b="0" i="0" u="none" strike="noStrike" cap="none" spc="0" normalizeH="0" baseline="0">
             <a:ln>
               <a:noFill/>
             </a:ln>
@@ -4753,7 +4861,7 @@
           <a:buFontTx/>
           <a:buNone/>
           <a:tabLst/>
-          <a:defRPr b="0" baseline="0" cap="none" i="0" spc="0" strike="noStrike" sz="1800" u="none" kumimoji="0" normalizeH="0">
+          <a:defRPr kumimoji="0" sz="1800" b="0" i="0" u="none" strike="noStrike" cap="none" spc="0" normalizeH="0" baseline="0">
             <a:ln>
               <a:noFill/>
             </a:ln>
@@ -4779,7 +4887,7 @@
           <a:buFontTx/>
           <a:buNone/>
           <a:tabLst/>
-          <a:defRPr b="0" baseline="0" cap="none" i="0" spc="0" strike="noStrike" sz="1800" u="none" kumimoji="0" normalizeH="0">
+          <a:defRPr kumimoji="0" sz="1800" b="0" i="0" u="none" strike="noStrike" cap="none" spc="0" normalizeH="0" baseline="0">
             <a:ln>
               <a:noFill/>
             </a:ln>
@@ -4792,9 +4900,15 @@
         </a:lvl9pPr>
       </a:lstStyle>
       <a:style>
-        <a:lnRef idx="0"/>
-        <a:fillRef idx="0"/>
-        <a:effectRef idx="0"/>
+        <a:lnRef idx="0">
+          <a:scrgbClr r="0" g="0" b="0"/>
+        </a:lnRef>
+        <a:fillRef idx="0">
+          <a:scrgbClr r="0" g="0" b="0"/>
+        </a:fillRef>
+        <a:effectRef idx="0">
+          <a:scrgbClr r="0" g="0" b="0"/>
+        </a:effectRef>
         <a:fontRef idx="none"/>
       </a:style>
     </a:spDef>
@@ -4811,7 +4925,7 @@
         <a:effectLst/>
         <a:sp3d/>
       </a:spPr>
-      <a:bodyPr rot="0" spcFirstLastPara="1" vertOverflow="overflow" horzOverflow="overflow" vert="horz" wrap="square" lIns="91439" tIns="45719" rIns="91439" bIns="45719" numCol="1" spcCol="38100" rtlCol="0" anchor="t" upright="0">
+      <a:bodyPr rot="0" spcFirstLastPara="1" vertOverflow="overflow" horzOverflow="overflow" vert="horz" wrap="square" lIns="91439" tIns="45719" rIns="91439" bIns="45719" numCol="1" spcCol="38100" rtlCol="0" anchor="t">
         <a:noAutofit/>
       </a:bodyPr>
       <a:lstStyle>
@@ -4830,7 +4944,7 @@
           <a:buFontTx/>
           <a:buNone/>
           <a:tabLst/>
-          <a:defRPr b="0" baseline="0" cap="none" i="0" spc="0" strike="noStrike" sz="1800" u="none" kumimoji="0" normalizeH="0">
+          <a:defRPr kumimoji="0" sz="1800" b="0" i="0" u="none" strike="noStrike" cap="none" spc="0" normalizeH="0" baseline="0">
             <a:ln>
               <a:noFill/>
             </a:ln>
@@ -4856,7 +4970,7 @@
           <a:buFontTx/>
           <a:buNone/>
           <a:tabLst/>
-          <a:defRPr b="0" baseline="0" cap="none" i="0" spc="0" strike="noStrike" sz="1800" u="none" kumimoji="0" normalizeH="0">
+          <a:defRPr kumimoji="0" sz="1800" b="0" i="0" u="none" strike="noStrike" cap="none" spc="0" normalizeH="0" baseline="0">
             <a:ln>
               <a:noFill/>
             </a:ln>
@@ -4882,7 +4996,7 @@
           <a:buFontTx/>
           <a:buNone/>
           <a:tabLst/>
-          <a:defRPr b="0" baseline="0" cap="none" i="0" spc="0" strike="noStrike" sz="1800" u="none" kumimoji="0" normalizeH="0">
+          <a:defRPr kumimoji="0" sz="1800" b="0" i="0" u="none" strike="noStrike" cap="none" spc="0" normalizeH="0" baseline="0">
             <a:ln>
               <a:noFill/>
             </a:ln>
@@ -4908,7 +5022,7 @@
           <a:buFontTx/>
           <a:buNone/>
           <a:tabLst/>
-          <a:defRPr b="0" baseline="0" cap="none" i="0" spc="0" strike="noStrike" sz="1800" u="none" kumimoji="0" normalizeH="0">
+          <a:defRPr kumimoji="0" sz="1800" b="0" i="0" u="none" strike="noStrike" cap="none" spc="0" normalizeH="0" baseline="0">
             <a:ln>
               <a:noFill/>
             </a:ln>
@@ -4934,7 +5048,7 @@
           <a:buFontTx/>
           <a:buNone/>
           <a:tabLst/>
-          <a:defRPr b="0" baseline="0" cap="none" i="0" spc="0" strike="noStrike" sz="1800" u="none" kumimoji="0" normalizeH="0">
+          <a:defRPr kumimoji="0" sz="1800" b="0" i="0" u="none" strike="noStrike" cap="none" spc="0" normalizeH="0" baseline="0">
             <a:ln>
               <a:noFill/>
             </a:ln>
@@ -4960,7 +5074,7 @@
           <a:buFontTx/>
           <a:buNone/>
           <a:tabLst/>
-          <a:defRPr b="0" baseline="0" cap="none" i="0" spc="0" strike="noStrike" sz="1800" u="none" kumimoji="0" normalizeH="0">
+          <a:defRPr kumimoji="0" sz="1800" b="0" i="0" u="none" strike="noStrike" cap="none" spc="0" normalizeH="0" baseline="0">
             <a:ln>
               <a:noFill/>
             </a:ln>
@@ -4986,7 +5100,7 @@
           <a:buFontTx/>
           <a:buNone/>
           <a:tabLst/>
-          <a:defRPr b="0" baseline="0" cap="none" i="0" spc="0" strike="noStrike" sz="1800" u="none" kumimoji="0" normalizeH="0">
+          <a:defRPr kumimoji="0" sz="1800" b="0" i="0" u="none" strike="noStrike" cap="none" spc="0" normalizeH="0" baseline="0">
             <a:ln>
               <a:noFill/>
             </a:ln>
@@ -5012,7 +5126,7 @@
           <a:buFontTx/>
           <a:buNone/>
           <a:tabLst/>
-          <a:defRPr b="0" baseline="0" cap="none" i="0" spc="0" strike="noStrike" sz="1800" u="none" kumimoji="0" normalizeH="0">
+          <a:defRPr kumimoji="0" sz="1800" b="0" i="0" u="none" strike="noStrike" cap="none" spc="0" normalizeH="0" baseline="0">
             <a:ln>
               <a:noFill/>
             </a:ln>
@@ -5038,7 +5152,7 @@
           <a:buFontTx/>
           <a:buNone/>
           <a:tabLst/>
-          <a:defRPr b="0" baseline="0" cap="none" i="0" spc="0" strike="noStrike" sz="1800" u="none" kumimoji="0" normalizeH="0">
+          <a:defRPr kumimoji="0" sz="1800" b="0" i="0" u="none" strike="noStrike" cap="none" spc="0" normalizeH="0" baseline="0">
             <a:ln>
               <a:noFill/>
             </a:ln>
@@ -5064,7 +5178,7 @@
           <a:buFontTx/>
           <a:buNone/>
           <a:tabLst/>
-          <a:defRPr b="0" baseline="0" cap="none" i="0" spc="0" strike="noStrike" sz="1800" u="none" kumimoji="0" normalizeH="0">
+          <a:defRPr kumimoji="0" sz="1800" b="0" i="0" u="none" strike="noStrike" cap="none" spc="0" normalizeH="0" baseline="0">
             <a:ln>
               <a:noFill/>
             </a:ln>
@@ -5077,9 +5191,15 @@
         </a:lvl9pPr>
       </a:lstStyle>
       <a:style>
-        <a:lnRef idx="0"/>
-        <a:fillRef idx="0"/>
-        <a:effectRef idx="0"/>
+        <a:lnRef idx="0">
+          <a:scrgbClr r="0" g="0" b="0"/>
+        </a:lnRef>
+        <a:fillRef idx="0">
+          <a:scrgbClr r="0" g="0" b="0"/>
+        </a:fillRef>
+        <a:effectRef idx="0">
+          <a:scrgbClr r="0" g="0" b="0"/>
+        </a:effectRef>
         <a:fontRef idx="none"/>
       </a:style>
     </a:lnDef>
@@ -5093,7 +5213,7 @@
         <a:effectLst/>
         <a:sp3d/>
       </a:spPr>
-      <a:bodyPr rot="0" spcFirstLastPara="1" vertOverflow="overflow" horzOverflow="overflow" vert="horz" wrap="square" lIns="50800" tIns="50800" rIns="50800" bIns="50800" numCol="1" spcCol="38100" rtlCol="0" anchor="ctr" upright="0">
+      <a:bodyPr rot="0" spcFirstLastPara="1" vertOverflow="overflow" horzOverflow="overflow" vert="horz" wrap="square" lIns="50800" tIns="50800" rIns="50800" bIns="50800" numCol="1" spcCol="38100" rtlCol="0" anchor="ctr">
         <a:spAutoFit/>
       </a:bodyPr>
       <a:lstStyle>
@@ -5112,7 +5232,7 @@
           <a:buFontTx/>
           <a:buNone/>
           <a:tabLst/>
-          <a:defRPr b="0" baseline="0" cap="none" i="0" spc="0" strike="noStrike" sz="2400" u="none" kumimoji="0" normalizeH="0">
+          <a:defRPr kumimoji="0" sz="2400" b="0" i="0" u="none" strike="noStrike" cap="none" spc="0" normalizeH="0" baseline="0">
             <a:ln>
               <a:noFill/>
             </a:ln>
@@ -5142,7 +5262,7 @@
           <a:buFontTx/>
           <a:buNone/>
           <a:tabLst/>
-          <a:defRPr b="0" baseline="0" cap="none" i="0" spc="0" strike="noStrike" sz="1800" u="none" kumimoji="0" normalizeH="0">
+          <a:defRPr kumimoji="0" sz="1800" b="0" i="0" u="none" strike="noStrike" cap="none" spc="0" normalizeH="0" baseline="0">
             <a:ln>
               <a:noFill/>
             </a:ln>
@@ -5168,7 +5288,7 @@
           <a:buFontTx/>
           <a:buNone/>
           <a:tabLst/>
-          <a:defRPr b="0" baseline="0" cap="none" i="0" spc="0" strike="noStrike" sz="1800" u="none" kumimoji="0" normalizeH="0">
+          <a:defRPr kumimoji="0" sz="1800" b="0" i="0" u="none" strike="noStrike" cap="none" spc="0" normalizeH="0" baseline="0">
             <a:ln>
               <a:noFill/>
             </a:ln>
@@ -5194,7 +5314,7 @@
           <a:buFontTx/>
           <a:buNone/>
           <a:tabLst/>
-          <a:defRPr b="0" baseline="0" cap="none" i="0" spc="0" strike="noStrike" sz="1800" u="none" kumimoji="0" normalizeH="0">
+          <a:defRPr kumimoji="0" sz="1800" b="0" i="0" u="none" strike="noStrike" cap="none" spc="0" normalizeH="0" baseline="0">
             <a:ln>
               <a:noFill/>
             </a:ln>
@@ -5220,7 +5340,7 @@
           <a:buFontTx/>
           <a:buNone/>
           <a:tabLst/>
-          <a:defRPr b="0" baseline="0" cap="none" i="0" spc="0" strike="noStrike" sz="1800" u="none" kumimoji="0" normalizeH="0">
+          <a:defRPr kumimoji="0" sz="1800" b="0" i="0" u="none" strike="noStrike" cap="none" spc="0" normalizeH="0" baseline="0">
             <a:ln>
               <a:noFill/>
             </a:ln>
@@ -5246,7 +5366,7 @@
           <a:buFontTx/>
           <a:buNone/>
           <a:tabLst/>
-          <a:defRPr b="0" baseline="0" cap="none" i="0" spc="0" strike="noStrike" sz="1800" u="none" kumimoji="0" normalizeH="0">
+          <a:defRPr kumimoji="0" sz="1800" b="0" i="0" u="none" strike="noStrike" cap="none" spc="0" normalizeH="0" baseline="0">
             <a:ln>
               <a:noFill/>
             </a:ln>
@@ -5272,7 +5392,7 @@
           <a:buFontTx/>
           <a:buNone/>
           <a:tabLst/>
-          <a:defRPr b="0" baseline="0" cap="none" i="0" spc="0" strike="noStrike" sz="1800" u="none" kumimoji="0" normalizeH="0">
+          <a:defRPr kumimoji="0" sz="1800" b="0" i="0" u="none" strike="noStrike" cap="none" spc="0" normalizeH="0" baseline="0">
             <a:ln>
               <a:noFill/>
             </a:ln>
@@ -5298,7 +5418,7 @@
           <a:buFontTx/>
           <a:buNone/>
           <a:tabLst/>
-          <a:defRPr b="0" baseline="0" cap="none" i="0" spc="0" strike="noStrike" sz="1800" u="none" kumimoji="0" normalizeH="0">
+          <a:defRPr kumimoji="0" sz="1800" b="0" i="0" u="none" strike="noStrike" cap="none" spc="0" normalizeH="0" baseline="0">
             <a:ln>
               <a:noFill/>
             </a:ln>
@@ -5324,7 +5444,7 @@
           <a:buFontTx/>
           <a:buNone/>
           <a:tabLst/>
-          <a:defRPr b="0" baseline="0" cap="none" i="0" spc="0" strike="noStrike" sz="1800" u="none" kumimoji="0" normalizeH="0">
+          <a:defRPr kumimoji="0" sz="1800" b="0" i="0" u="none" strike="noStrike" cap="none" spc="0" normalizeH="0" baseline="0">
             <a:ln>
               <a:noFill/>
             </a:ln>
@@ -5350,7 +5470,7 @@
           <a:buFontTx/>
           <a:buNone/>
           <a:tabLst/>
-          <a:defRPr b="0" baseline="0" cap="none" i="0" spc="0" strike="noStrike" sz="1800" u="none" kumimoji="0" normalizeH="0">
+          <a:defRPr kumimoji="0" sz="1800" b="0" i="0" u="none" strike="noStrike" cap="none" spc="0" normalizeH="0" baseline="0">
             <a:ln>
               <a:noFill/>
             </a:ln>
@@ -5363,18 +5483,25 @@
         </a:lvl9pPr>
       </a:lstStyle>
       <a:style>
-        <a:lnRef idx="0"/>
-        <a:fillRef idx="0"/>
-        <a:effectRef idx="0"/>
+        <a:lnRef idx="0">
+          <a:scrgbClr r="0" g="0" b="0"/>
+        </a:lnRef>
+        <a:fillRef idx="0">
+          <a:scrgbClr r="0" g="0" b="0"/>
+        </a:fillRef>
+        <a:effectRef idx="0">
+          <a:scrgbClr r="0" g="0" b="0"/>
+        </a:effectRef>
         <a:fontRef idx="none"/>
       </a:style>
     </a:txDef>
   </a:objectDefaults>
+  <a:extraClrSchemeLst/>
 </a:theme>
 </file>
 
 <file path=ppt/theme/theme2.xml><?xml version="1.0" encoding="utf-8"?>
-<a:theme xmlns:a="http://schemas.openxmlformats.org/drawingml/2006/main" xmlns:r="http://schemas.openxmlformats.org/officeDocument/2006/relationships" name="New_Template4">
+<a:theme xmlns:a="http://schemas.openxmlformats.org/drawingml/2006/main" name="New_Template4">
   <a:themeElements>
     <a:clrScheme name="New_Template4">
       <a:dk1>
@@ -5564,8 +5691,8 @@
     <a:spDef>
       <a:spPr>
         <a:blipFill rotWithShape="1">
-          <a:blip r:embed="rId1"/>
-          <a:srcRect l="0" t="0" r="0" b="0"/>
+          <a:blip xmlns:r="http://schemas.openxmlformats.org/officeDocument/2006/relationships" r:embed="rId1"/>
+          <a:srcRect/>
           <a:tile tx="0" ty="0" sx="100000" sy="100000" flip="none" algn="tl"/>
         </a:blipFill>
         <a:ln w="12700" cap="flat">
@@ -5575,7 +5702,7 @@
         <a:effectLst/>
         <a:sp3d/>
       </a:spPr>
-      <a:bodyPr rot="0" spcFirstLastPara="1" vertOverflow="overflow" horzOverflow="overflow" vert="horz" wrap="square" lIns="50800" tIns="50800" rIns="50800" bIns="50800" numCol="1" spcCol="38100" rtlCol="0" anchor="ctr" upright="0">
+      <a:bodyPr rot="0" spcFirstLastPara="1" vertOverflow="overflow" horzOverflow="overflow" vert="horz" wrap="square" lIns="50800" tIns="50800" rIns="50800" bIns="50800" numCol="1" spcCol="38100" rtlCol="0" anchor="ctr">
         <a:spAutoFit/>
       </a:bodyPr>
       <a:lstStyle>
@@ -5594,7 +5721,7 @@
           <a:buFontTx/>
           <a:buNone/>
           <a:tabLst/>
-          <a:defRPr b="0" baseline="0" cap="none" i="0" spc="0" strike="noStrike" sz="3200" u="none" kumimoji="0" normalizeH="0">
+          <a:defRPr kumimoji="0" sz="3200" b="0" i="0" u="none" strike="noStrike" cap="none" spc="0" normalizeH="0" baseline="0">
             <a:ln>
               <a:noFill/>
             </a:ln>
@@ -5602,7 +5729,7 @@
               <a:srgbClr val="FFFFFF"/>
             </a:solidFill>
             <a:effectLst>
-              <a:outerShdw sx="100000" sy="100000" kx="0" ky="0" algn="b" rotWithShape="0" blurRad="25400" dist="33948" dir="2700000">
+              <a:outerShdw blurRad="25400" dist="33948" dir="2700000" rotWithShape="0">
                 <a:srgbClr val="3B3936"/>
               </a:outerShdw>
             </a:effectLst>
@@ -5628,7 +5755,7 @@
           <a:buFontTx/>
           <a:buNone/>
           <a:tabLst/>
-          <a:defRPr b="0" baseline="0" cap="none" i="0" spc="0" strike="noStrike" sz="1800" u="none" kumimoji="0" normalizeH="0">
+          <a:defRPr kumimoji="0" sz="1800" b="0" i="0" u="none" strike="noStrike" cap="none" spc="0" normalizeH="0" baseline="0">
             <a:ln>
               <a:noFill/>
             </a:ln>
@@ -5654,7 +5781,7 @@
           <a:buFontTx/>
           <a:buNone/>
           <a:tabLst/>
-          <a:defRPr b="0" baseline="0" cap="none" i="0" spc="0" strike="noStrike" sz="1800" u="none" kumimoji="0" normalizeH="0">
+          <a:defRPr kumimoji="0" sz="1800" b="0" i="0" u="none" strike="noStrike" cap="none" spc="0" normalizeH="0" baseline="0">
             <a:ln>
               <a:noFill/>
             </a:ln>
@@ -5680,7 +5807,7 @@
           <a:buFontTx/>
           <a:buNone/>
           <a:tabLst/>
-          <a:defRPr b="0" baseline="0" cap="none" i="0" spc="0" strike="noStrike" sz="1800" u="none" kumimoji="0" normalizeH="0">
+          <a:defRPr kumimoji="0" sz="1800" b="0" i="0" u="none" strike="noStrike" cap="none" spc="0" normalizeH="0" baseline="0">
             <a:ln>
               <a:noFill/>
             </a:ln>
@@ -5706,7 +5833,7 @@
           <a:buFontTx/>
           <a:buNone/>
           <a:tabLst/>
-          <a:defRPr b="0" baseline="0" cap="none" i="0" spc="0" strike="noStrike" sz="1800" u="none" kumimoji="0" normalizeH="0">
+          <a:defRPr kumimoji="0" sz="1800" b="0" i="0" u="none" strike="noStrike" cap="none" spc="0" normalizeH="0" baseline="0">
             <a:ln>
               <a:noFill/>
             </a:ln>
@@ -5732,7 +5859,7 @@
           <a:buFontTx/>
           <a:buNone/>
           <a:tabLst/>
-          <a:defRPr b="0" baseline="0" cap="none" i="0" spc="0" strike="noStrike" sz="1800" u="none" kumimoji="0" normalizeH="0">
+          <a:defRPr kumimoji="0" sz="1800" b="0" i="0" u="none" strike="noStrike" cap="none" spc="0" normalizeH="0" baseline="0">
             <a:ln>
               <a:noFill/>
             </a:ln>
@@ -5758,7 +5885,7 @@
           <a:buFontTx/>
           <a:buNone/>
           <a:tabLst/>
-          <a:defRPr b="0" baseline="0" cap="none" i="0" spc="0" strike="noStrike" sz="1800" u="none" kumimoji="0" normalizeH="0">
+          <a:defRPr kumimoji="0" sz="1800" b="0" i="0" u="none" strike="noStrike" cap="none" spc="0" normalizeH="0" baseline="0">
             <a:ln>
               <a:noFill/>
             </a:ln>
@@ -5784,7 +5911,7 @@
           <a:buFontTx/>
           <a:buNone/>
           <a:tabLst/>
-          <a:defRPr b="0" baseline="0" cap="none" i="0" spc="0" strike="noStrike" sz="1800" u="none" kumimoji="0" normalizeH="0">
+          <a:defRPr kumimoji="0" sz="1800" b="0" i="0" u="none" strike="noStrike" cap="none" spc="0" normalizeH="0" baseline="0">
             <a:ln>
               <a:noFill/>
             </a:ln>
@@ -5810,7 +5937,7 @@
           <a:buFontTx/>
           <a:buNone/>
           <a:tabLst/>
-          <a:defRPr b="0" baseline="0" cap="none" i="0" spc="0" strike="noStrike" sz="1800" u="none" kumimoji="0" normalizeH="0">
+          <a:defRPr kumimoji="0" sz="1800" b="0" i="0" u="none" strike="noStrike" cap="none" spc="0" normalizeH="0" baseline="0">
             <a:ln>
               <a:noFill/>
             </a:ln>
@@ -5836,7 +5963,7 @@
           <a:buFontTx/>
           <a:buNone/>
           <a:tabLst/>
-          <a:defRPr b="0" baseline="0" cap="none" i="0" spc="0" strike="noStrike" sz="1800" u="none" kumimoji="0" normalizeH="0">
+          <a:defRPr kumimoji="0" sz="1800" b="0" i="0" u="none" strike="noStrike" cap="none" spc="0" normalizeH="0" baseline="0">
             <a:ln>
               <a:noFill/>
             </a:ln>
@@ -5849,9 +5976,15 @@
         </a:lvl9pPr>
       </a:lstStyle>
       <a:style>
-        <a:lnRef idx="0"/>
-        <a:fillRef idx="0"/>
-        <a:effectRef idx="0"/>
+        <a:lnRef idx="0">
+          <a:scrgbClr r="0" g="0" b="0"/>
+        </a:lnRef>
+        <a:fillRef idx="0">
+          <a:scrgbClr r="0" g="0" b="0"/>
+        </a:fillRef>
+        <a:effectRef idx="0">
+          <a:scrgbClr r="0" g="0" b="0"/>
+        </a:effectRef>
         <a:fontRef idx="none"/>
       </a:style>
     </a:spDef>
@@ -5868,7 +6001,7 @@
         <a:effectLst/>
         <a:sp3d/>
       </a:spPr>
-      <a:bodyPr rot="0" spcFirstLastPara="1" vertOverflow="overflow" horzOverflow="overflow" vert="horz" wrap="square" lIns="91439" tIns="45719" rIns="91439" bIns="45719" numCol="1" spcCol="38100" rtlCol="0" anchor="t" upright="0">
+      <a:bodyPr rot="0" spcFirstLastPara="1" vertOverflow="overflow" horzOverflow="overflow" vert="horz" wrap="square" lIns="91439" tIns="45719" rIns="91439" bIns="45719" numCol="1" spcCol="38100" rtlCol="0" anchor="t">
         <a:noAutofit/>
       </a:bodyPr>
       <a:lstStyle>
@@ -5887,7 +6020,7 @@
           <a:buFontTx/>
           <a:buNone/>
           <a:tabLst/>
-          <a:defRPr b="0" baseline="0" cap="none" i="0" spc="0" strike="noStrike" sz="1800" u="none" kumimoji="0" normalizeH="0">
+          <a:defRPr kumimoji="0" sz="1800" b="0" i="0" u="none" strike="noStrike" cap="none" spc="0" normalizeH="0" baseline="0">
             <a:ln>
               <a:noFill/>
             </a:ln>
@@ -5913,7 +6046,7 @@
           <a:buFontTx/>
           <a:buNone/>
           <a:tabLst/>
-          <a:defRPr b="0" baseline="0" cap="none" i="0" spc="0" strike="noStrike" sz="1800" u="none" kumimoji="0" normalizeH="0">
+          <a:defRPr kumimoji="0" sz="1800" b="0" i="0" u="none" strike="noStrike" cap="none" spc="0" normalizeH="0" baseline="0">
             <a:ln>
               <a:noFill/>
             </a:ln>
@@ -5939,7 +6072,7 @@
           <a:buFontTx/>
           <a:buNone/>
           <a:tabLst/>
-          <a:defRPr b="0" baseline="0" cap="none" i="0" spc="0" strike="noStrike" sz="1800" u="none" kumimoji="0" normalizeH="0">
+          <a:defRPr kumimoji="0" sz="1800" b="0" i="0" u="none" strike="noStrike" cap="none" spc="0" normalizeH="0" baseline="0">
             <a:ln>
               <a:noFill/>
             </a:ln>
@@ -5965,7 +6098,7 @@
           <a:buFontTx/>
           <a:buNone/>
           <a:tabLst/>
-          <a:defRPr b="0" baseline="0" cap="none" i="0" spc="0" strike="noStrike" sz="1800" u="none" kumimoji="0" normalizeH="0">
+          <a:defRPr kumimoji="0" sz="1800" b="0" i="0" u="none" strike="noStrike" cap="none" spc="0" normalizeH="0" baseline="0">
             <a:ln>
               <a:noFill/>
             </a:ln>
@@ -5991,7 +6124,7 @@
           <a:buFontTx/>
           <a:buNone/>
           <a:tabLst/>
-          <a:defRPr b="0" baseline="0" cap="none" i="0" spc="0" strike="noStrike" sz="1800" u="none" kumimoji="0" normalizeH="0">
+          <a:defRPr kumimoji="0" sz="1800" b="0" i="0" u="none" strike="noStrike" cap="none" spc="0" normalizeH="0" baseline="0">
             <a:ln>
               <a:noFill/>
             </a:ln>
@@ -6017,7 +6150,7 @@
           <a:buFontTx/>
           <a:buNone/>
           <a:tabLst/>
-          <a:defRPr b="0" baseline="0" cap="none" i="0" spc="0" strike="noStrike" sz="1800" u="none" kumimoji="0" normalizeH="0">
+          <a:defRPr kumimoji="0" sz="1800" b="0" i="0" u="none" strike="noStrike" cap="none" spc="0" normalizeH="0" baseline="0">
             <a:ln>
               <a:noFill/>
             </a:ln>
@@ -6043,7 +6176,7 @@
           <a:buFontTx/>
           <a:buNone/>
           <a:tabLst/>
-          <a:defRPr b="0" baseline="0" cap="none" i="0" spc="0" strike="noStrike" sz="1800" u="none" kumimoji="0" normalizeH="0">
+          <a:defRPr kumimoji="0" sz="1800" b="0" i="0" u="none" strike="noStrike" cap="none" spc="0" normalizeH="0" baseline="0">
             <a:ln>
               <a:noFill/>
             </a:ln>
@@ -6069,7 +6202,7 @@
           <a:buFontTx/>
           <a:buNone/>
           <a:tabLst/>
-          <a:defRPr b="0" baseline="0" cap="none" i="0" spc="0" strike="noStrike" sz="1800" u="none" kumimoji="0" normalizeH="0">
+          <a:defRPr kumimoji="0" sz="1800" b="0" i="0" u="none" strike="noStrike" cap="none" spc="0" normalizeH="0" baseline="0">
             <a:ln>
               <a:noFill/>
             </a:ln>
@@ -6095,7 +6228,7 @@
           <a:buFontTx/>
           <a:buNone/>
           <a:tabLst/>
-          <a:defRPr b="0" baseline="0" cap="none" i="0" spc="0" strike="noStrike" sz="1800" u="none" kumimoji="0" normalizeH="0">
+          <a:defRPr kumimoji="0" sz="1800" b="0" i="0" u="none" strike="noStrike" cap="none" spc="0" normalizeH="0" baseline="0">
             <a:ln>
               <a:noFill/>
             </a:ln>
@@ -6121,7 +6254,7 @@
           <a:buFontTx/>
           <a:buNone/>
           <a:tabLst/>
-          <a:defRPr b="0" baseline="0" cap="none" i="0" spc="0" strike="noStrike" sz="1800" u="none" kumimoji="0" normalizeH="0">
+          <a:defRPr kumimoji="0" sz="1800" b="0" i="0" u="none" strike="noStrike" cap="none" spc="0" normalizeH="0" baseline="0">
             <a:ln>
               <a:noFill/>
             </a:ln>
@@ -6134,9 +6267,15 @@
         </a:lvl9pPr>
       </a:lstStyle>
       <a:style>
-        <a:lnRef idx="0"/>
-        <a:fillRef idx="0"/>
-        <a:effectRef idx="0"/>
+        <a:lnRef idx="0">
+          <a:scrgbClr r="0" g="0" b="0"/>
+        </a:lnRef>
+        <a:fillRef idx="0">
+          <a:scrgbClr r="0" g="0" b="0"/>
+        </a:fillRef>
+        <a:effectRef idx="0">
+          <a:scrgbClr r="0" g="0" b="0"/>
+        </a:effectRef>
         <a:fontRef idx="none"/>
       </a:style>
     </a:lnDef>
@@ -6150,7 +6289,7 @@
         <a:effectLst/>
         <a:sp3d/>
       </a:spPr>
-      <a:bodyPr rot="0" spcFirstLastPara="1" vertOverflow="overflow" horzOverflow="overflow" vert="horz" wrap="square" lIns="50800" tIns="50800" rIns="50800" bIns="50800" numCol="1" spcCol="38100" rtlCol="0" anchor="ctr" upright="0">
+      <a:bodyPr rot="0" spcFirstLastPara="1" vertOverflow="overflow" horzOverflow="overflow" vert="horz" wrap="square" lIns="50800" tIns="50800" rIns="50800" bIns="50800" numCol="1" spcCol="38100" rtlCol="0" anchor="ctr">
         <a:spAutoFit/>
       </a:bodyPr>
       <a:lstStyle>
@@ -6169,7 +6308,7 @@
           <a:buFontTx/>
           <a:buNone/>
           <a:tabLst/>
-          <a:defRPr b="0" baseline="0" cap="none" i="0" spc="0" strike="noStrike" sz="2400" u="none" kumimoji="0" normalizeH="0">
+          <a:defRPr kumimoji="0" sz="2400" b="0" i="0" u="none" strike="noStrike" cap="none" spc="0" normalizeH="0" baseline="0">
             <a:ln>
               <a:noFill/>
             </a:ln>
@@ -6199,7 +6338,7 @@
           <a:buFontTx/>
           <a:buNone/>
           <a:tabLst/>
-          <a:defRPr b="0" baseline="0" cap="none" i="0" spc="0" strike="noStrike" sz="1800" u="none" kumimoji="0" normalizeH="0">
+          <a:defRPr kumimoji="0" sz="1800" b="0" i="0" u="none" strike="noStrike" cap="none" spc="0" normalizeH="0" baseline="0">
             <a:ln>
               <a:noFill/>
             </a:ln>
@@ -6225,7 +6364,7 @@
           <a:buFontTx/>
           <a:buNone/>
           <a:tabLst/>
-          <a:defRPr b="0" baseline="0" cap="none" i="0" spc="0" strike="noStrike" sz="1800" u="none" kumimoji="0" normalizeH="0">
+          <a:defRPr kumimoji="0" sz="1800" b="0" i="0" u="none" strike="noStrike" cap="none" spc="0" normalizeH="0" baseline="0">
             <a:ln>
               <a:noFill/>
             </a:ln>
@@ -6251,7 +6390,7 @@
           <a:buFontTx/>
           <a:buNone/>
           <a:tabLst/>
-          <a:defRPr b="0" baseline="0" cap="none" i="0" spc="0" strike="noStrike" sz="1800" u="none" kumimoji="0" normalizeH="0">
+          <a:defRPr kumimoji="0" sz="1800" b="0" i="0" u="none" strike="noStrike" cap="none" spc="0" normalizeH="0" baseline="0">
             <a:ln>
               <a:noFill/>
             </a:ln>
@@ -6277,7 +6416,7 @@
           <a:buFontTx/>
           <a:buNone/>
           <a:tabLst/>
-          <a:defRPr b="0" baseline="0" cap="none" i="0" spc="0" strike="noStrike" sz="1800" u="none" kumimoji="0" normalizeH="0">
+          <a:defRPr kumimoji="0" sz="1800" b="0" i="0" u="none" strike="noStrike" cap="none" spc="0" normalizeH="0" baseline="0">
             <a:ln>
               <a:noFill/>
             </a:ln>
@@ -6303,7 +6442,7 @@
           <a:buFontTx/>
           <a:buNone/>
           <a:tabLst/>
-          <a:defRPr b="0" baseline="0" cap="none" i="0" spc="0" strike="noStrike" sz="1800" u="none" kumimoji="0" normalizeH="0">
+          <a:defRPr kumimoji="0" sz="1800" b="0" i="0" u="none" strike="noStrike" cap="none" spc="0" normalizeH="0" baseline="0">
             <a:ln>
               <a:noFill/>
             </a:ln>
@@ -6329,7 +6468,7 @@
           <a:buFontTx/>
           <a:buNone/>
           <a:tabLst/>
-          <a:defRPr b="0" baseline="0" cap="none" i="0" spc="0" strike="noStrike" sz="1800" u="none" kumimoji="0" normalizeH="0">
+          <a:defRPr kumimoji="0" sz="1800" b="0" i="0" u="none" strike="noStrike" cap="none" spc="0" normalizeH="0" baseline="0">
             <a:ln>
               <a:noFill/>
             </a:ln>
@@ -6355,7 +6494,7 @@
           <a:buFontTx/>
           <a:buNone/>
           <a:tabLst/>
-          <a:defRPr b="0" baseline="0" cap="none" i="0" spc="0" strike="noStrike" sz="1800" u="none" kumimoji="0" normalizeH="0">
+          <a:defRPr kumimoji="0" sz="1800" b="0" i="0" u="none" strike="noStrike" cap="none" spc="0" normalizeH="0" baseline="0">
             <a:ln>
               <a:noFill/>
             </a:ln>
@@ -6381,7 +6520,7 @@
           <a:buFontTx/>
           <a:buNone/>
           <a:tabLst/>
-          <a:defRPr b="0" baseline="0" cap="none" i="0" spc="0" strike="noStrike" sz="1800" u="none" kumimoji="0" normalizeH="0">
+          <a:defRPr kumimoji="0" sz="1800" b="0" i="0" u="none" strike="noStrike" cap="none" spc="0" normalizeH="0" baseline="0">
             <a:ln>
               <a:noFill/>
             </a:ln>
@@ -6407,7 +6546,7 @@
           <a:buFontTx/>
           <a:buNone/>
           <a:tabLst/>
-          <a:defRPr b="0" baseline="0" cap="none" i="0" spc="0" strike="noStrike" sz="1800" u="none" kumimoji="0" normalizeH="0">
+          <a:defRPr kumimoji="0" sz="1800" b="0" i="0" u="none" strike="noStrike" cap="none" spc="0" normalizeH="0" baseline="0">
             <a:ln>
               <a:noFill/>
             </a:ln>
@@ -6420,12 +6559,19 @@
         </a:lvl9pPr>
       </a:lstStyle>
       <a:style>
-        <a:lnRef idx="0"/>
-        <a:fillRef idx="0"/>
-        <a:effectRef idx="0"/>
+        <a:lnRef idx="0">
+          <a:scrgbClr r="0" g="0" b="0"/>
+        </a:lnRef>
+        <a:fillRef idx="0">
+          <a:scrgbClr r="0" g="0" b="0"/>
+        </a:fillRef>
+        <a:effectRef idx="0">
+          <a:scrgbClr r="0" g="0" b="0"/>
+        </a:effectRef>
         <a:fontRef idx="none"/>
       </a:style>
     </a:txDef>
   </a:objectDefaults>
+  <a:extraClrSchemeLst/>
 </a:theme>
 </file>